--- a/mifinalpaper/LandyBrian_poster_GeneratingNewBuildingImagesUsingDCGANS.pptx
+++ b/mifinalpaper/LandyBrian_poster_GeneratingNewBuildingImagesUsingDCGANS.pptx
@@ -258,7 +258,7 @@
               <a:pPr>
                 <a:defRPr/>
               </a:pPr>
-              <a:t>11/20/19</a:t>
+              <a:t>12/4/2019</a:t>
             </a:fld>
             <a:endParaRPr lang="en-US" altLang="en-US"/>
           </a:p>
@@ -1057,7 +1057,7 @@
               <a:pPr>
                 <a:defRPr/>
               </a:pPr>
-              <a:t>11/20/19</a:t>
+              <a:t>12/4/2019</a:t>
             </a:fld>
             <a:endParaRPr lang="en-US" altLang="en-US"/>
           </a:p>
@@ -1252,7 +1252,7 @@
               <a:pPr>
                 <a:defRPr/>
               </a:pPr>
-              <a:t>11/20/19</a:t>
+              <a:t>12/4/2019</a:t>
             </a:fld>
             <a:endParaRPr lang="en-US" altLang="en-US"/>
           </a:p>
@@ -1457,7 +1457,7 @@
               <a:pPr>
                 <a:defRPr/>
               </a:pPr>
-              <a:t>11/20/19</a:t>
+              <a:t>12/4/2019</a:t>
             </a:fld>
             <a:endParaRPr lang="en-US" altLang="en-US"/>
           </a:p>
@@ -1652,7 +1652,7 @@
               <a:pPr>
                 <a:defRPr/>
               </a:pPr>
-              <a:t>11/20/19</a:t>
+              <a:t>12/4/2019</a:t>
             </a:fld>
             <a:endParaRPr lang="en-US" altLang="en-US"/>
           </a:p>
@@ -1924,7 +1924,7 @@
               <a:pPr>
                 <a:defRPr/>
               </a:pPr>
-              <a:t>11/20/19</a:t>
+              <a:t>12/4/2019</a:t>
             </a:fld>
             <a:endParaRPr lang="en-US" altLang="en-US"/>
           </a:p>
@@ -2236,7 +2236,7 @@
               <a:pPr>
                 <a:defRPr/>
               </a:pPr>
-              <a:t>11/20/19</a:t>
+              <a:t>12/4/2019</a:t>
             </a:fld>
             <a:endParaRPr lang="en-US" altLang="en-US"/>
           </a:p>
@@ -2728,7 +2728,7 @@
               <a:pPr>
                 <a:defRPr/>
               </a:pPr>
-              <a:t>11/20/19</a:t>
+              <a:t>12/4/2019</a:t>
             </a:fld>
             <a:endParaRPr lang="en-US" altLang="en-US"/>
           </a:p>
@@ -2850,7 +2850,7 @@
               <a:pPr>
                 <a:defRPr/>
               </a:pPr>
-              <a:t>11/20/19</a:t>
+              <a:t>12/4/2019</a:t>
             </a:fld>
             <a:endParaRPr lang="en-US" altLang="en-US"/>
           </a:p>
@@ -3152,7 +3152,7 @@
               <a:pPr>
                 <a:defRPr/>
               </a:pPr>
-              <a:t>11/20/19</a:t>
+              <a:t>12/4/2019</a:t>
             </a:fld>
             <a:endParaRPr lang="en-US" altLang="en-US"/>
           </a:p>
@@ -3434,7 +3434,7 @@
               <a:pPr>
                 <a:defRPr/>
               </a:pPr>
-              <a:t>11/20/19</a:t>
+              <a:t>12/4/2019</a:t>
             </a:fld>
             <a:endParaRPr lang="en-US" altLang="en-US"/>
           </a:p>
@@ -3725,7 +3725,7 @@
               <a:pPr>
                 <a:defRPr/>
               </a:pPr>
-              <a:t>11/20/19</a:t>
+              <a:t>12/4/2019</a:t>
             </a:fld>
             <a:endParaRPr lang="en-US" altLang="en-US"/>
           </a:p>

--- a/mifinalpaper/LandyBrian_poster_GeneratingNewBuildingImagesUsingDCGANS.pptx
+++ b/mifinalpaper/LandyBrian_poster_GeneratingNewBuildingImagesUsingDCGANS.pptx
@@ -258,7 +258,7 @@
               <a:pPr>
                 <a:defRPr/>
               </a:pPr>
-              <a:t>12/4/2019</a:t>
+              <a:t>12/6/19</a:t>
             </a:fld>
             <a:endParaRPr lang="en-US" altLang="en-US"/>
           </a:p>
@@ -672,7 +672,7 @@
                 <a:spcPct val="0"/>
               </a:spcBef>
             </a:pPr>
-            <a:endParaRPr lang="en-US" altLang="en-US"/>
+            <a:endParaRPr lang="en-US" altLang="en-US" dirty="0"/>
           </a:p>
         </p:txBody>
       </p:sp>
@@ -1057,7 +1057,7 @@
               <a:pPr>
                 <a:defRPr/>
               </a:pPr>
-              <a:t>12/4/2019</a:t>
+              <a:t>12/6/19</a:t>
             </a:fld>
             <a:endParaRPr lang="en-US" altLang="en-US"/>
           </a:p>
@@ -1252,7 +1252,7 @@
               <a:pPr>
                 <a:defRPr/>
               </a:pPr>
-              <a:t>12/4/2019</a:t>
+              <a:t>12/6/19</a:t>
             </a:fld>
             <a:endParaRPr lang="en-US" altLang="en-US"/>
           </a:p>
@@ -1457,7 +1457,7 @@
               <a:pPr>
                 <a:defRPr/>
               </a:pPr>
-              <a:t>12/4/2019</a:t>
+              <a:t>12/6/19</a:t>
             </a:fld>
             <a:endParaRPr lang="en-US" altLang="en-US"/>
           </a:p>
@@ -1652,7 +1652,7 @@
               <a:pPr>
                 <a:defRPr/>
               </a:pPr>
-              <a:t>12/4/2019</a:t>
+              <a:t>12/6/19</a:t>
             </a:fld>
             <a:endParaRPr lang="en-US" altLang="en-US"/>
           </a:p>
@@ -1924,7 +1924,7 @@
               <a:pPr>
                 <a:defRPr/>
               </a:pPr>
-              <a:t>12/4/2019</a:t>
+              <a:t>12/6/19</a:t>
             </a:fld>
             <a:endParaRPr lang="en-US" altLang="en-US"/>
           </a:p>
@@ -2236,7 +2236,7 @@
               <a:pPr>
                 <a:defRPr/>
               </a:pPr>
-              <a:t>12/4/2019</a:t>
+              <a:t>12/6/19</a:t>
             </a:fld>
             <a:endParaRPr lang="en-US" altLang="en-US"/>
           </a:p>
@@ -2728,7 +2728,7 @@
               <a:pPr>
                 <a:defRPr/>
               </a:pPr>
-              <a:t>12/4/2019</a:t>
+              <a:t>12/6/19</a:t>
             </a:fld>
             <a:endParaRPr lang="en-US" altLang="en-US"/>
           </a:p>
@@ -2850,7 +2850,7 @@
               <a:pPr>
                 <a:defRPr/>
               </a:pPr>
-              <a:t>12/4/2019</a:t>
+              <a:t>12/6/19</a:t>
             </a:fld>
             <a:endParaRPr lang="en-US" altLang="en-US"/>
           </a:p>
@@ -3152,7 +3152,7 @@
               <a:pPr>
                 <a:defRPr/>
               </a:pPr>
-              <a:t>12/4/2019</a:t>
+              <a:t>12/6/19</a:t>
             </a:fld>
             <a:endParaRPr lang="en-US" altLang="en-US"/>
           </a:p>
@@ -3434,7 +3434,7 @@
               <a:pPr>
                 <a:defRPr/>
               </a:pPr>
-              <a:t>12/4/2019</a:t>
+              <a:t>12/6/19</a:t>
             </a:fld>
             <a:endParaRPr lang="en-US" altLang="en-US"/>
           </a:p>
@@ -3725,7 +3725,7 @@
               <a:pPr>
                 <a:defRPr/>
               </a:pPr>
-              <a:t>12/4/2019</a:t>
+              <a:t>12/6/19</a:t>
             </a:fld>
             <a:endParaRPr lang="en-US" altLang="en-US"/>
           </a:p>
@@ -4273,7 +4273,7 @@
         </p:nvCxnSpPr>
         <p:spPr>
           <a:xfrm>
-            <a:off x="15849600" y="8458200"/>
+            <a:off x="15613706" y="11963400"/>
             <a:ext cx="23164800" cy="0"/>
           </a:xfrm>
           <a:prstGeom prst="line">
@@ -4338,7 +4338,7 @@
                 <a:latin typeface="Arial" panose="020B0604020202020204" pitchFamily="34" charset="0"/>
                 <a:cs typeface="Arial" panose="020B0604020202020204" pitchFamily="34" charset="0"/>
               </a:rPr>
-              <a:t>Brian Landy, MS Computer Engineering, Rochester Institute of Technology</a:t>
+              <a:t>Brian Landy, BS/MS Computer Engineering, Rochester Institute of Technology</a:t>
             </a:r>
             <a:endParaRPr lang="en-US" altLang="en-US" sz="6600" dirty="0">
               <a:latin typeface="Arial" panose="020B0604020202020204" pitchFamily="34" charset="0"/>
@@ -4359,8 +4359,8 @@
         </p:nvSpPr>
         <p:spPr>
           <a:xfrm>
-            <a:off x="1060453" y="3001171"/>
-            <a:ext cx="13415962" cy="17441862"/>
+            <a:off x="1009884" y="4546669"/>
+            <a:ext cx="13466531" cy="16560732"/>
           </a:xfrm>
         </p:spPr>
         <p:txBody>
@@ -4385,7 +4385,7 @@
                 <a:latin typeface="Arial" panose="020B0604020202020204" pitchFamily="34" charset="0"/>
                 <a:cs typeface="Arial" panose="020B0604020202020204" pitchFamily="34" charset="0"/>
               </a:rPr>
-              <a:t>DCGANS:</a:t>
+              <a:t>DCGANS/GANS:</a:t>
             </a:r>
           </a:p>
           <a:p>
@@ -4416,8 +4416,8 @@
         </p:nvSpPr>
         <p:spPr>
           <a:xfrm>
-            <a:off x="15560677" y="3001171"/>
-            <a:ext cx="22393270" cy="7129462"/>
+            <a:off x="15560677" y="5075441"/>
+            <a:ext cx="22393270" cy="4463047"/>
           </a:xfrm>
         </p:spPr>
         <p:txBody>
@@ -4442,7 +4442,7 @@
                 <a:latin typeface="Arial" panose="020B0604020202020204" pitchFamily="34" charset="0"/>
                 <a:cs typeface="Arial" panose="020B0604020202020204" pitchFamily="34" charset="0"/>
               </a:rPr>
-              <a:t>Results:</a:t>
+              <a:t>Data Sets Evaluated with Baseline:</a:t>
             </a:r>
           </a:p>
           <a:p>
@@ -4480,8 +4480,8 @@
         </p:nvSpPr>
         <p:spPr>
           <a:xfrm>
-            <a:off x="15560677" y="12438491"/>
-            <a:ext cx="22393270" cy="9186862"/>
+            <a:off x="15613706" y="12386382"/>
+            <a:ext cx="23400694" cy="5963021"/>
           </a:xfrm>
         </p:spPr>
         <p:txBody>
@@ -4511,66 +4511,6 @@
               </a:rPr>
               <a:t>The Parameters and Results:</a:t>
             </a:r>
-          </a:p>
-          <a:p>
-            <a:pPr marL="565150" lvl="1" indent="-565150" defTabSz="2033588" eaLnBrk="1" hangingPunct="1">
-              <a:buFont typeface="Wingdings" panose="05000000000000000000" pitchFamily="2" charset="2"/>
-              <a:buChar char="Ø"/>
-              <a:defRPr/>
-            </a:pPr>
-            <a:r>
-              <a:rPr lang="en-US" altLang="en-US" sz="4800" dirty="0">
-                <a:solidFill>
-                  <a:srgbClr val="000000"/>
-                </a:solidFill>
-                <a:latin typeface="Arial" panose="020B0604020202020204" pitchFamily="34" charset="0"/>
-                <a:cs typeface="Arial" panose="020B0604020202020204" pitchFamily="34" charset="0"/>
-              </a:rPr>
-              <a:t>What model changes led to the best success?</a:t>
-            </a:r>
-          </a:p>
-          <a:p>
-            <a:pPr marL="565150" lvl="1" indent="-565150" defTabSz="2033588" eaLnBrk="1" hangingPunct="1">
-              <a:buFont typeface="Wingdings" panose="05000000000000000000" pitchFamily="2" charset="2"/>
-              <a:buChar char="Ø"/>
-              <a:defRPr/>
-            </a:pPr>
-            <a:r>
-              <a:rPr lang="en-US" altLang="ja-JP" sz="4800" dirty="0">
-                <a:solidFill>
-                  <a:srgbClr val="000000"/>
-                </a:solidFill>
-                <a:latin typeface="Arial" panose="020B0604020202020204" pitchFamily="34" charset="0"/>
-                <a:cs typeface="Arial" panose="020B0604020202020204" pitchFamily="34" charset="0"/>
-              </a:rPr>
-              <a:t>What do these changes mean? Explain significance of parameter change to model design/training. Ex. (one sided soft labels </a:t>
-            </a:r>
-            <a:r>
-              <a:rPr lang="en-US" altLang="ja-JP" sz="4800" dirty="0" err="1">
-                <a:solidFill>
-                  <a:srgbClr val="000000"/>
-                </a:solidFill>
-                <a:latin typeface="Arial" panose="020B0604020202020204" pitchFamily="34" charset="0"/>
-                <a:cs typeface="Arial" panose="020B0604020202020204" pitchFamily="34" charset="0"/>
-              </a:rPr>
-              <a:t>etc</a:t>
-            </a:r>
-            <a:r>
-              <a:rPr lang="en-US" altLang="ja-JP" sz="4800" dirty="0">
-                <a:solidFill>
-                  <a:srgbClr val="000000"/>
-                </a:solidFill>
-                <a:latin typeface="Arial" panose="020B0604020202020204" pitchFamily="34" charset="0"/>
-                <a:cs typeface="Arial" panose="020B0604020202020204" pitchFamily="34" charset="0"/>
-              </a:rPr>
-              <a:t>)</a:t>
-            </a:r>
-          </a:p>
-          <a:p>
-            <a:pPr marL="565150" lvl="1" indent="-565150" defTabSz="2033588" eaLnBrk="1" hangingPunct="1">
-              <a:buNone/>
-              <a:defRPr/>
-            </a:pPr>
             <a:endParaRPr lang="en-US" altLang="en-US" sz="4800" dirty="0">
               <a:solidFill>
                 <a:srgbClr val="000000"/>
@@ -4593,7 +4533,59 @@
                 <a:latin typeface="Arial" panose="020B0604020202020204" pitchFamily="34" charset="0"/>
                 <a:cs typeface="Arial" panose="020B0604020202020204" pitchFamily="34" charset="0"/>
               </a:rPr>
-              <a:t>Best Parameter/design choice:</a:t>
+              <a:t>Best Parameter/design choice that worked here:</a:t>
+            </a:r>
+          </a:p>
+          <a:p>
+            <a:pPr marL="1220778" lvl="4" indent="-565150" defTabSz="2033588">
+              <a:buFont typeface="Wingdings" panose="05000000000000000000" pitchFamily="2" charset="2"/>
+              <a:buChar char="Ø"/>
+              <a:defRPr/>
+            </a:pPr>
+            <a:r>
+              <a:rPr lang="en-US" altLang="en-US" sz="4800" dirty="0">
+                <a:solidFill>
+                  <a:srgbClr val="000000"/>
+                </a:solidFill>
+                <a:latin typeface="Arial" panose="020B0604020202020204" pitchFamily="34" charset="0"/>
+                <a:cs typeface="Arial" panose="020B0604020202020204" pitchFamily="34" charset="0"/>
+              </a:rPr>
+              <a:t>One sided label smoothing </a:t>
+            </a:r>
+            <a:r>
+              <a:rPr lang="en-US" altLang="en-US" sz="4800" dirty="0">
+                <a:solidFill>
+                  <a:srgbClr val="000000"/>
+                </a:solidFill>
+                <a:latin typeface="Arial" panose="020B0604020202020204" pitchFamily="34" charset="0"/>
+                <a:cs typeface="Arial" panose="020B0604020202020204" pitchFamily="34" charset="0"/>
+                <a:sym typeface="Wingdings" pitchFamily="2" charset="2"/>
+              </a:rPr>
+              <a:t> Stops G from only producing one trick to fool D</a:t>
+            </a:r>
+            <a:endParaRPr lang="en-US" altLang="en-US" sz="4800" dirty="0">
+              <a:solidFill>
+                <a:srgbClr val="000000"/>
+              </a:solidFill>
+              <a:latin typeface="Arial" panose="020B0604020202020204" pitchFamily="34" charset="0"/>
+              <a:cs typeface="Arial" panose="020B0604020202020204" pitchFamily="34" charset="0"/>
+            </a:endParaRPr>
+          </a:p>
+          <a:p>
+            <a:pPr marL="1220778" lvl="4" indent="-565150" defTabSz="2033588">
+              <a:buFont typeface="Wingdings" panose="05000000000000000000" pitchFamily="2" charset="2"/>
+              <a:buChar char="Ø"/>
+              <a:defRPr/>
+            </a:pPr>
+            <a:r>
+              <a:rPr lang="en-US" altLang="en-US" sz="4800" dirty="0">
+                <a:solidFill>
+                  <a:srgbClr val="000000"/>
+                </a:solidFill>
+                <a:latin typeface="Arial" panose="020B0604020202020204" pitchFamily="34" charset="0"/>
+                <a:cs typeface="Arial" panose="020B0604020202020204" pitchFamily="34" charset="0"/>
+              </a:rPr>
+              <a:t>Discriminator Learning rate was 4 times lower than the generator</a:t>
             </a:r>
           </a:p>
           <a:p>
@@ -4611,6 +4603,23 @@
                 <a:cs typeface="Arial" panose="020B0604020202020204" pitchFamily="34" charset="0"/>
               </a:rPr>
               <a:t>This change made the discriminator less sensitive to change and it took longer for the model to get good at fake detection</a:t>
+            </a:r>
+          </a:p>
+          <a:p>
+            <a:pPr marL="1220778" lvl="4" indent="-565150" defTabSz="2033588">
+              <a:buFont typeface="Wingdings" panose="05000000000000000000" pitchFamily="2" charset="2"/>
+              <a:buChar char="Ø"/>
+              <a:defRPr/>
+            </a:pPr>
+            <a:r>
+              <a:rPr lang="en-US" altLang="en-US" sz="4800" dirty="0">
+                <a:solidFill>
+                  <a:srgbClr val="000000"/>
+                </a:solidFill>
+                <a:latin typeface="Arial" panose="020B0604020202020204" pitchFamily="34" charset="0"/>
+                <a:cs typeface="Arial" panose="020B0604020202020204" pitchFamily="34" charset="0"/>
+              </a:rPr>
+              <a:t>Tried many things that didn’t help, tricky models, best results still cherry picked</a:t>
             </a:r>
           </a:p>
           <a:p>
@@ -4724,94 +4733,12 @@
         </p:blipFill>
         <p:spPr>
           <a:xfrm>
-            <a:off x="996775" y="3839452"/>
-            <a:ext cx="12282698" cy="9479277"/>
+            <a:off x="214477" y="5597263"/>
+            <a:ext cx="11626013" cy="7384940"/>
           </a:xfrm>
           <a:prstGeom prst="rect">
             <a:avLst/>
           </a:prstGeom>
-        </p:spPr>
-      </p:pic>
-      <p:pic>
-        <p:nvPicPr>
-          <p:cNvPr id="11" name="Picture 10">
-            <a:extLst>
-              <a:ext uri="{FF2B5EF4-FFF2-40B4-BE49-F238E27FC236}">
-                <a16:creationId xmlns:a16="http://schemas.microsoft.com/office/drawing/2014/main" id="{AE521483-B75D-C049-A0EE-4C0FF1EF34C2}"/>
-              </a:ext>
-            </a:extLst>
-          </p:cNvPr>
-          <p:cNvPicPr/>
-          <p:nvPr/>
-        </p:nvPicPr>
-        <p:blipFill rotWithShape="1">
-          <a:blip r:embed="rId6">
-            <a:extLst>
-              <a:ext uri="{28A0092B-C50C-407E-A947-70E740481C1C}">
-                <a14:useLocalDpi xmlns:a14="http://schemas.microsoft.com/office/drawing/2010/main" val="0"/>
-              </a:ext>
-            </a:extLst>
-          </a:blip>
-          <a:srcRect t="25154" b="49392"/>
-          <a:stretch/>
-        </p:blipFill>
-        <p:spPr bwMode="auto">
-          <a:xfrm>
-            <a:off x="15925800" y="4953081"/>
-            <a:ext cx="11195225" cy="3225641"/>
-          </a:xfrm>
-          <a:prstGeom prst="rect">
-            <a:avLst/>
-          </a:prstGeom>
-          <a:ln>
-            <a:noFill/>
-          </a:ln>
-          <a:extLst>
-            <a:ext uri="{53640926-AAD7-44D8-BBD7-CCE9431645EC}">
-              <a14:shadowObscured xmlns:a14="http://schemas.microsoft.com/office/drawing/2010/main"/>
-            </a:ext>
-          </a:extLst>
-        </p:spPr>
-      </p:pic>
-      <p:pic>
-        <p:nvPicPr>
-          <p:cNvPr id="12" name="Picture 11">
-            <a:extLst>
-              <a:ext uri="{FF2B5EF4-FFF2-40B4-BE49-F238E27FC236}">
-                <a16:creationId xmlns:a16="http://schemas.microsoft.com/office/drawing/2014/main" id="{13D44BEA-97E4-E042-B4CF-2B828896DC24}"/>
-              </a:ext>
-            </a:extLst>
-          </p:cNvPr>
-          <p:cNvPicPr/>
-          <p:nvPr/>
-        </p:nvPicPr>
-        <p:blipFill rotWithShape="1">
-          <a:blip r:embed="rId6">
-            <a:extLst>
-              <a:ext uri="{28A0092B-C50C-407E-A947-70E740481C1C}">
-                <a14:useLocalDpi xmlns:a14="http://schemas.microsoft.com/office/drawing/2010/main" val="0"/>
-              </a:ext>
-            </a:extLst>
-          </a:blip>
-          <a:srcRect t="25154" b="49392"/>
-          <a:stretch/>
-        </p:blipFill>
-        <p:spPr bwMode="auto">
-          <a:xfrm>
-            <a:off x="27121025" y="8813959"/>
-            <a:ext cx="11195225" cy="3225641"/>
-          </a:xfrm>
-          <a:prstGeom prst="rect">
-            <a:avLst/>
-          </a:prstGeom>
-          <a:ln>
-            <a:noFill/>
-          </a:ln>
-          <a:extLst>
-            <a:ext uri="{53640926-AAD7-44D8-BBD7-CCE9431645EC}">
-              <a14:shadowObscured xmlns:a14="http://schemas.microsoft.com/office/drawing/2010/main"/>
-            </a:ext>
-          </a:extLst>
         </p:spPr>
       </p:pic>
       <p:cxnSp>
@@ -4902,45 +4829,6 @@
       </p:cxnSp>
       <p:sp>
         <p:nvSpPr>
-          <p:cNvPr id="9" name="TextBox 8">
-            <a:extLst>
-              <a:ext uri="{FF2B5EF4-FFF2-40B4-BE49-F238E27FC236}">
-                <a16:creationId xmlns:a16="http://schemas.microsoft.com/office/drawing/2014/main" id="{E1501B84-1D88-7E45-A65A-D97403285BCC}"/>
-              </a:ext>
-            </a:extLst>
-          </p:cNvPr>
-          <p:cNvSpPr txBox="1"/>
-          <p:nvPr/>
-        </p:nvSpPr>
-        <p:spPr>
-          <a:xfrm>
-            <a:off x="28041600" y="4953081"/>
-            <a:ext cx="10274650" cy="1896545"/>
-          </a:xfrm>
-          <a:prstGeom prst="rect">
-            <a:avLst/>
-          </a:prstGeom>
-          <a:noFill/>
-        </p:spPr>
-        <p:txBody>
-          <a:bodyPr wrap="square" rtlCol="0">
-            <a:spAutoFit/>
-          </a:bodyPr>
-          <a:lstStyle/>
-          <a:p>
-            <a:pPr marL="857250" indent="-857250">
-              <a:buFont typeface="Wingdings" pitchFamily="2" charset="2"/>
-              <a:buChar char="Ø"/>
-            </a:pPr>
-            <a:r>
-              <a:rPr lang="en-US" dirty="0"/>
-              <a:t>This is where I discuss the baseline model parameters</a:t>
-            </a:r>
-          </a:p>
-        </p:txBody>
-      </p:sp>
-      <p:sp>
-        <p:nvSpPr>
           <p:cNvPr id="20" name="TextBox 19">
             <a:extLst>
               <a:ext uri="{FF2B5EF4-FFF2-40B4-BE49-F238E27FC236}">
@@ -4953,8 +4841,8 @@
         </p:nvSpPr>
         <p:spPr>
           <a:xfrm>
-            <a:off x="16383000" y="9228655"/>
-            <a:ext cx="10274650" cy="2798651"/>
+            <a:off x="30140778" y="17922192"/>
+            <a:ext cx="9652168" cy="3477875"/>
           </a:xfrm>
           <a:prstGeom prst="rect">
             <a:avLst/>
@@ -4972,9 +4860,60 @@
               <a:buChar char="Ø"/>
             </a:pPr>
             <a:r>
-              <a:rPr lang="en-US" dirty="0"/>
-              <a:t>This is where I discuss the best highly variational set results parameters</a:t>
-            </a:r>
+              <a:rPr lang="en-US" sz="4400" dirty="0">
+                <a:solidFill>
+                  <a:srgbClr val="FF0000"/>
+                </a:solidFill>
+              </a:rPr>
+              <a:t>Best Results came from:</a:t>
+            </a:r>
+          </a:p>
+          <a:p>
+            <a:pPr marL="2370804" lvl="1" indent="-857250">
+              <a:buFont typeface="Wingdings" pitchFamily="2" charset="2"/>
+              <a:buChar char="Ø"/>
+            </a:pPr>
+            <a:r>
+              <a:rPr lang="en-US" sz="4400" dirty="0">
+                <a:solidFill>
+                  <a:srgbClr val="FF0000"/>
+                </a:solidFill>
+              </a:rPr>
+              <a:t>More training epochs</a:t>
+            </a:r>
+          </a:p>
+          <a:p>
+            <a:pPr marL="2370804" lvl="1" indent="-857250">
+              <a:buFont typeface="Wingdings" pitchFamily="2" charset="2"/>
+              <a:buChar char="Ø"/>
+            </a:pPr>
+            <a:r>
+              <a:rPr lang="en-US" sz="4400" dirty="0">
+                <a:solidFill>
+                  <a:srgbClr val="FF0000"/>
+                </a:solidFill>
+              </a:rPr>
+              <a:t>More filters in each layer</a:t>
+            </a:r>
+          </a:p>
+          <a:p>
+            <a:pPr marL="2370804" lvl="1" indent="-857250">
+              <a:buFont typeface="Wingdings" pitchFamily="2" charset="2"/>
+              <a:buChar char="Ø"/>
+            </a:pPr>
+            <a:r>
+              <a:rPr lang="en-US" sz="4400" dirty="0">
+                <a:solidFill>
+                  <a:srgbClr val="FF0000"/>
+                </a:solidFill>
+              </a:rPr>
+              <a:t>Lowering D learning Rate compared to G</a:t>
+            </a:r>
+            <a:endParaRPr lang="en-US" dirty="0">
+              <a:solidFill>
+                <a:srgbClr val="FF0000"/>
+              </a:solidFill>
+            </a:endParaRPr>
           </a:p>
         </p:txBody>
       </p:sp>
@@ -4994,8 +4933,8 @@
         </p:nvSpPr>
         <p:spPr bwMode="auto">
           <a:xfrm>
-            <a:off x="1381130" y="13318729"/>
-            <a:ext cx="14179547" cy="7962586"/>
+            <a:off x="214478" y="14867539"/>
+            <a:ext cx="15346200" cy="6413775"/>
           </a:xfrm>
           <a:prstGeom prst="rect">
             <a:avLst/>
@@ -5220,7 +5159,7 @@
                 <a:latin typeface="Arial" panose="020B0604020202020204" pitchFamily="34" charset="0"/>
                 <a:cs typeface="Arial" panose="020B0604020202020204" pitchFamily="34" charset="0"/>
               </a:rPr>
-              <a:t>Unique qualities</a:t>
+              <a:t>Generate images and “evaluate realness”</a:t>
             </a:r>
           </a:p>
           <a:p>
@@ -5237,24 +5176,7 @@
                 <a:latin typeface="Arial" panose="020B0604020202020204" pitchFamily="34" charset="0"/>
                 <a:cs typeface="Arial" panose="020B0604020202020204" pitchFamily="34" charset="0"/>
               </a:rPr>
-              <a:t>What are they used for</a:t>
-            </a:r>
-          </a:p>
-          <a:p>
-            <a:pPr marL="565150" lvl="1" indent="-565150" defTabSz="2033588" eaLnBrk="1" hangingPunct="1">
-              <a:buFont typeface="Wingdings" panose="05000000000000000000" pitchFamily="2" charset="2"/>
-              <a:buChar char="Ø"/>
-              <a:defRPr/>
-            </a:pPr>
-            <a:r>
-              <a:rPr lang="en-US" altLang="en-US" sz="4800" dirty="0">
-                <a:solidFill>
-                  <a:srgbClr val="000000"/>
-                </a:solidFill>
-                <a:latin typeface="Arial" panose="020B0604020202020204" pitchFamily="34" charset="0"/>
-                <a:cs typeface="Arial" panose="020B0604020202020204" pitchFamily="34" charset="0"/>
-              </a:rPr>
-              <a:t>Training Process:</a:t>
+              <a:t>2 Networks competing and updating</a:t>
             </a:r>
           </a:p>
           <a:p>
@@ -5273,27 +5195,6 @@
               </a:rPr>
               <a:t>Goal equations for D and G:</a:t>
             </a:r>
-          </a:p>
-          <a:p>
-            <a:pPr marL="701468" lvl="2" indent="-565150" defTabSz="2033588" eaLnBrk="1" hangingPunct="1">
-              <a:buFont typeface="Wingdings" panose="05000000000000000000" pitchFamily="2" charset="2"/>
-              <a:buChar char="Ø"/>
-              <a:defRPr/>
-            </a:pPr>
-            <a:endParaRPr lang="en-US" altLang="en-US" sz="4400" dirty="0">
-              <a:solidFill>
-                <a:srgbClr val="000000"/>
-              </a:solidFill>
-              <a:latin typeface="Arial" panose="020B0604020202020204" pitchFamily="34" charset="0"/>
-              <a:cs typeface="Arial" panose="020B0604020202020204" pitchFamily="34" charset="0"/>
-            </a:endParaRPr>
-          </a:p>
-          <a:p>
-            <a:pPr marL="565150" lvl="1" indent="-565150" defTabSz="2033588" eaLnBrk="1" hangingPunct="1">
-              <a:buFont typeface="Wingdings" panose="05000000000000000000" pitchFamily="2" charset="2"/>
-              <a:buChar char="Ø"/>
-              <a:defRPr/>
-            </a:pPr>
             <a:endParaRPr lang="en-US" altLang="en-US" sz="4800" dirty="0">
               <a:solidFill>
                 <a:srgbClr val="000000"/>
@@ -5328,13 +5229,13 @@
           <p:nvPr/>
         </p:nvPicPr>
         <p:blipFill rotWithShape="1">
-          <a:blip r:embed="rId7"/>
+          <a:blip r:embed="rId6"/>
           <a:srcRect l="12554" t="24425" r="6703" b="34450"/>
           <a:stretch/>
         </p:blipFill>
         <p:spPr>
           <a:xfrm>
-            <a:off x="1365890" y="18059024"/>
+            <a:off x="1009884" y="18402544"/>
             <a:ext cx="10896601" cy="1203326"/>
           </a:xfrm>
           <a:prstGeom prst="rect">
@@ -5357,13 +5258,13 @@
           <p:nvPr/>
         </p:nvPicPr>
         <p:blipFill rotWithShape="1">
-          <a:blip r:embed="rId8"/>
+          <a:blip r:embed="rId7"/>
           <a:srcRect t="22773" b="21402"/>
           <a:stretch/>
         </p:blipFill>
         <p:spPr>
           <a:xfrm>
-            <a:off x="4219304" y="19637758"/>
+            <a:off x="4587099" y="19555387"/>
             <a:ext cx="12410395" cy="1760717"/>
           </a:xfrm>
           <a:prstGeom prst="rect">
@@ -5371,6 +5272,1058 @@
           </a:prstGeom>
         </p:spPr>
       </p:pic>
+      <p:sp>
+        <p:nvSpPr>
+          <p:cNvPr id="4" name="Rectangle 12">
+            <a:extLst>
+              <a:ext uri="{FF2B5EF4-FFF2-40B4-BE49-F238E27FC236}">
+                <a16:creationId xmlns:a16="http://schemas.microsoft.com/office/drawing/2014/main" id="{EB09F824-1798-8A41-BB47-1F01428F341C}"/>
+              </a:ext>
+            </a:extLst>
+          </p:cNvPr>
+          <p:cNvSpPr>
+            <a:spLocks noChangeArrowheads="1"/>
+          </p:cNvSpPr>
+          <p:nvPr/>
+        </p:nvSpPr>
+        <p:spPr bwMode="auto">
+          <a:xfrm flipH="1">
+            <a:off x="65164049" y="7698907"/>
+            <a:ext cx="280194327" cy="2149815"/>
+          </a:xfrm>
+          <a:prstGeom prst="rect">
+            <a:avLst/>
+          </a:prstGeom>
+          <a:noFill/>
+          <a:ln>
+            <a:noFill/>
+          </a:ln>
+          <a:effectLst/>
+          <a:extLst>
+            <a:ext uri="{909E8E84-426E-40DD-AFC4-6F175D3DCCD1}">
+              <a14:hiddenFill xmlns:a14="http://schemas.microsoft.com/office/drawing/2010/main">
+                <a:solidFill>
+                  <a:schemeClr val="accent1"/>
+                </a:solidFill>
+              </a14:hiddenFill>
+            </a:ext>
+            <a:ext uri="{91240B29-F687-4F45-9708-019B960494DF}">
+              <a14:hiddenLine xmlns:a14="http://schemas.microsoft.com/office/drawing/2010/main" w="9525">
+                <a:solidFill>
+                  <a:schemeClr val="tx1"/>
+                </a:solidFill>
+                <a:miter lim="800000"/>
+                <a:headEnd/>
+                <a:tailEnd/>
+              </a14:hiddenLine>
+            </a:ext>
+            <a:ext uri="{AF507438-7753-43E0-B8FC-AC1667EBCBE1}">
+              <a14:hiddenEffects xmlns:a14="http://schemas.microsoft.com/office/drawing/2010/main">
+                <a:effectLst>
+                  <a:outerShdw dist="35921" dir="2700000" algn="ctr" rotWithShape="0">
+                    <a:schemeClr val="bg2"/>
+                  </a:outerShdw>
+                </a:effectLst>
+              </a14:hiddenEffects>
+            </a:ext>
+          </a:extLst>
+        </p:spPr>
+        <p:txBody>
+          <a:bodyPr vert="horz" wrap="square" lIns="91440" tIns="45720" rIns="91440" bIns="45720" numCol="1" anchor="ctr" anchorCtr="0" compatLnSpc="1">
+            <a:prstTxWarp prst="textNoShape">
+              <a:avLst/>
+            </a:prstTxWarp>
+            <a:spAutoFit/>
+          </a:bodyPr>
+          <a:lstStyle/>
+          <a:p>
+            <a:endParaRPr lang="en-US"/>
+          </a:p>
+        </p:txBody>
+      </p:sp>
+      <p:pic>
+        <p:nvPicPr>
+          <p:cNvPr id="31" name="Picture 30">
+            <a:extLst>
+              <a:ext uri="{FF2B5EF4-FFF2-40B4-BE49-F238E27FC236}">
+                <a16:creationId xmlns:a16="http://schemas.microsoft.com/office/drawing/2014/main" id="{321AEDDB-8F88-5F4A-840A-4E212091C85B}"/>
+              </a:ext>
+            </a:extLst>
+          </p:cNvPr>
+          <p:cNvPicPr/>
+          <p:nvPr/>
+        </p:nvPicPr>
+        <p:blipFill>
+          <a:blip r:embed="rId8"/>
+          <a:stretch>
+            <a:fillRect/>
+          </a:stretch>
+        </p:blipFill>
+        <p:spPr bwMode="auto">
+          <a:xfrm>
+            <a:off x="27035356" y="8634844"/>
+            <a:ext cx="10862026" cy="3178888"/>
+          </a:xfrm>
+          <a:prstGeom prst="rect">
+            <a:avLst/>
+          </a:prstGeom>
+          <a:ln>
+            <a:noFill/>
+          </a:ln>
+          <a:extLst>
+            <a:ext uri="{53640926-AAD7-44D8-BBD7-CCE9431645EC}">
+              <a14:shadowObscured xmlns:a14="http://schemas.microsoft.com/office/drawing/2010/main"/>
+            </a:ext>
+          </a:extLst>
+        </p:spPr>
+      </p:pic>
+      <p:pic>
+        <p:nvPicPr>
+          <p:cNvPr id="32" name="Picture 31">
+            <a:extLst>
+              <a:ext uri="{FF2B5EF4-FFF2-40B4-BE49-F238E27FC236}">
+                <a16:creationId xmlns:a16="http://schemas.microsoft.com/office/drawing/2014/main" id="{5065E67D-7CB1-844A-9AF7-58FAC679DBF7}"/>
+              </a:ext>
+            </a:extLst>
+          </p:cNvPr>
+          <p:cNvPicPr/>
+          <p:nvPr/>
+        </p:nvPicPr>
+        <p:blipFill rotWithShape="1">
+          <a:blip r:embed="rId9">
+            <a:extLst>
+              <a:ext uri="{28A0092B-C50C-407E-A947-70E740481C1C}">
+                <a14:useLocalDpi xmlns:a14="http://schemas.microsoft.com/office/drawing/2010/main" val="0"/>
+              </a:ext>
+            </a:extLst>
+          </a:blip>
+          <a:srcRect t="48482"/>
+          <a:stretch/>
+        </p:blipFill>
+        <p:spPr bwMode="auto">
+          <a:xfrm>
+            <a:off x="11814991" y="6960778"/>
+            <a:ext cx="14838625" cy="2002092"/>
+          </a:xfrm>
+          <a:prstGeom prst="rect">
+            <a:avLst/>
+          </a:prstGeom>
+          <a:ln>
+            <a:noFill/>
+          </a:ln>
+          <a:extLst>
+            <a:ext uri="{53640926-AAD7-44D8-BBD7-CCE9431645EC}">
+              <a14:shadowObscured xmlns:a14="http://schemas.microsoft.com/office/drawing/2010/main"/>
+            </a:ext>
+          </a:extLst>
+        </p:spPr>
+      </p:pic>
+      <p:pic>
+        <p:nvPicPr>
+          <p:cNvPr id="33" name="Picture 32">
+            <a:extLst>
+              <a:ext uri="{FF2B5EF4-FFF2-40B4-BE49-F238E27FC236}">
+                <a16:creationId xmlns:a16="http://schemas.microsoft.com/office/drawing/2014/main" id="{A78438B6-ABA6-B547-831E-C4C2FBF9A457}"/>
+              </a:ext>
+            </a:extLst>
+          </p:cNvPr>
+          <p:cNvPicPr/>
+          <p:nvPr/>
+        </p:nvPicPr>
+        <p:blipFill>
+          <a:blip r:embed="rId10">
+            <a:extLst>
+              <a:ext uri="{28A0092B-C50C-407E-A947-70E740481C1C}">
+                <a14:useLocalDpi xmlns:a14="http://schemas.microsoft.com/office/drawing/2010/main" val="0"/>
+              </a:ext>
+            </a:extLst>
+          </a:blip>
+          <a:stretch>
+            <a:fillRect/>
+          </a:stretch>
+        </p:blipFill>
+        <p:spPr bwMode="auto">
+          <a:xfrm>
+            <a:off x="26897077" y="4735336"/>
+            <a:ext cx="10823448" cy="2776324"/>
+          </a:xfrm>
+          <a:prstGeom prst="rect">
+            <a:avLst/>
+          </a:prstGeom>
+          <a:ln>
+            <a:noFill/>
+          </a:ln>
+          <a:extLst>
+            <a:ext uri="{53640926-AAD7-44D8-BBD7-CCE9431645EC}">
+              <a14:shadowObscured xmlns:a14="http://schemas.microsoft.com/office/drawing/2010/main"/>
+            </a:ext>
+          </a:extLst>
+        </p:spPr>
+      </p:pic>
+      <p:pic>
+        <p:nvPicPr>
+          <p:cNvPr id="1041" name="Picture 22">
+            <a:extLst>
+              <a:ext uri="{FF2B5EF4-FFF2-40B4-BE49-F238E27FC236}">
+                <a16:creationId xmlns:a16="http://schemas.microsoft.com/office/drawing/2014/main" id="{DA51F4EF-CF46-1E48-A22B-170097F37D39}"/>
+              </a:ext>
+            </a:extLst>
+          </p:cNvPr>
+          <p:cNvPicPr>
+            <a:picLocks noChangeAspect="1" noChangeArrowheads="1"/>
+          </p:cNvPicPr>
+          <p:nvPr/>
+        </p:nvPicPr>
+        <p:blipFill>
+          <a:blip r:embed="rId11">
+            <a:extLst>
+              <a:ext uri="{28A0092B-C50C-407E-A947-70E740481C1C}">
+                <a14:useLocalDpi xmlns:a14="http://schemas.microsoft.com/office/drawing/2010/main" val="0"/>
+              </a:ext>
+            </a:extLst>
+          </a:blip>
+          <a:srcRect/>
+          <a:stretch>
+            <a:fillRect/>
+          </a:stretch>
+        </p:blipFill>
+        <p:spPr bwMode="auto">
+          <a:xfrm>
+            <a:off x="25225299" y="19072523"/>
+            <a:ext cx="2437534" cy="2559411"/>
+          </a:xfrm>
+          <a:prstGeom prst="rect">
+            <a:avLst/>
+          </a:prstGeom>
+          <a:noFill/>
+          <a:extLst>
+            <a:ext uri="{909E8E84-426E-40DD-AFC4-6F175D3DCCD1}">
+              <a14:hiddenFill xmlns:a14="http://schemas.microsoft.com/office/drawing/2010/main">
+                <a:solidFill>
+                  <a:srgbClr val="FFFFFF"/>
+                </a:solidFill>
+              </a14:hiddenFill>
+            </a:ext>
+          </a:extLst>
+        </p:spPr>
+      </p:pic>
+      <p:pic>
+        <p:nvPicPr>
+          <p:cNvPr id="1040" name="Picture 23">
+            <a:extLst>
+              <a:ext uri="{FF2B5EF4-FFF2-40B4-BE49-F238E27FC236}">
+                <a16:creationId xmlns:a16="http://schemas.microsoft.com/office/drawing/2014/main" id="{7D587B2E-4AC9-AF4F-A87E-CEE7502B7218}"/>
+              </a:ext>
+            </a:extLst>
+          </p:cNvPr>
+          <p:cNvPicPr>
+            <a:picLocks noChangeAspect="1" noChangeArrowheads="1"/>
+          </p:cNvPicPr>
+          <p:nvPr/>
+        </p:nvPicPr>
+        <p:blipFill>
+          <a:blip r:embed="rId12">
+            <a:extLst>
+              <a:ext uri="{28A0092B-C50C-407E-A947-70E740481C1C}">
+                <a14:useLocalDpi xmlns:a14="http://schemas.microsoft.com/office/drawing/2010/main" val="0"/>
+              </a:ext>
+            </a:extLst>
+          </a:blip>
+          <a:srcRect/>
+          <a:stretch>
+            <a:fillRect/>
+          </a:stretch>
+        </p:blipFill>
+        <p:spPr bwMode="auto">
+          <a:xfrm>
+            <a:off x="27766994" y="19065555"/>
+            <a:ext cx="2559410" cy="2559410"/>
+          </a:xfrm>
+          <a:prstGeom prst="rect">
+            <a:avLst/>
+          </a:prstGeom>
+          <a:noFill/>
+          <a:extLst>
+            <a:ext uri="{909E8E84-426E-40DD-AFC4-6F175D3DCCD1}">
+              <a14:hiddenFill xmlns:a14="http://schemas.microsoft.com/office/drawing/2010/main">
+                <a:solidFill>
+                  <a:srgbClr val="FFFFFF"/>
+                </a:solidFill>
+              </a14:hiddenFill>
+            </a:ext>
+          </a:extLst>
+        </p:spPr>
+      </p:pic>
+      <p:pic>
+        <p:nvPicPr>
+          <p:cNvPr id="1039" name="Picture 24">
+            <a:extLst>
+              <a:ext uri="{FF2B5EF4-FFF2-40B4-BE49-F238E27FC236}">
+                <a16:creationId xmlns:a16="http://schemas.microsoft.com/office/drawing/2014/main" id="{83770EA8-C13F-1D4D-B8E7-86087B33E8C1}"/>
+              </a:ext>
+            </a:extLst>
+          </p:cNvPr>
+          <p:cNvPicPr>
+            <a:picLocks noChangeAspect="1" noChangeArrowheads="1"/>
+          </p:cNvPicPr>
+          <p:nvPr/>
+        </p:nvPicPr>
+        <p:blipFill>
+          <a:blip r:embed="rId13">
+            <a:extLst>
+              <a:ext uri="{28A0092B-C50C-407E-A947-70E740481C1C}">
+                <a14:useLocalDpi xmlns:a14="http://schemas.microsoft.com/office/drawing/2010/main" val="0"/>
+              </a:ext>
+            </a:extLst>
+          </a:blip>
+          <a:srcRect/>
+          <a:stretch>
+            <a:fillRect/>
+          </a:stretch>
+        </p:blipFill>
+        <p:spPr bwMode="auto">
+          <a:xfrm>
+            <a:off x="22595513" y="19065555"/>
+            <a:ext cx="2559410" cy="2559410"/>
+          </a:xfrm>
+          <a:prstGeom prst="rect">
+            <a:avLst/>
+          </a:prstGeom>
+          <a:noFill/>
+          <a:extLst>
+            <a:ext uri="{909E8E84-426E-40DD-AFC4-6F175D3DCCD1}">
+              <a14:hiddenFill xmlns:a14="http://schemas.microsoft.com/office/drawing/2010/main">
+                <a:solidFill>
+                  <a:srgbClr val="FFFFFF"/>
+                </a:solidFill>
+              </a14:hiddenFill>
+            </a:ext>
+          </a:extLst>
+        </p:spPr>
+      </p:pic>
+      <p:pic>
+        <p:nvPicPr>
+          <p:cNvPr id="1038" name="Picture 25">
+            <a:extLst>
+              <a:ext uri="{FF2B5EF4-FFF2-40B4-BE49-F238E27FC236}">
+                <a16:creationId xmlns:a16="http://schemas.microsoft.com/office/drawing/2014/main" id="{A46302E5-3BAE-1B4A-A003-1184638E0947}"/>
+              </a:ext>
+            </a:extLst>
+          </p:cNvPr>
+          <p:cNvPicPr>
+            <a:picLocks noChangeAspect="1" noChangeArrowheads="1"/>
+          </p:cNvPicPr>
+          <p:nvPr/>
+        </p:nvPicPr>
+        <p:blipFill>
+          <a:blip r:embed="rId14">
+            <a:extLst>
+              <a:ext uri="{28A0092B-C50C-407E-A947-70E740481C1C}">
+                <a14:useLocalDpi xmlns:a14="http://schemas.microsoft.com/office/drawing/2010/main" val="0"/>
+              </a:ext>
+            </a:extLst>
+          </a:blip>
+          <a:srcRect/>
+          <a:stretch>
+            <a:fillRect/>
+          </a:stretch>
+        </p:blipFill>
+        <p:spPr bwMode="auto">
+          <a:xfrm>
+            <a:off x="20001537" y="19079494"/>
+            <a:ext cx="2559410" cy="2559410"/>
+          </a:xfrm>
+          <a:prstGeom prst="rect">
+            <a:avLst/>
+          </a:prstGeom>
+          <a:noFill/>
+          <a:extLst>
+            <a:ext uri="{909E8E84-426E-40DD-AFC4-6F175D3DCCD1}">
+              <a14:hiddenFill xmlns:a14="http://schemas.microsoft.com/office/drawing/2010/main">
+                <a:solidFill>
+                  <a:srgbClr val="FFFFFF"/>
+                </a:solidFill>
+              </a14:hiddenFill>
+            </a:ext>
+          </a:extLst>
+        </p:spPr>
+      </p:pic>
+      <p:pic>
+        <p:nvPicPr>
+          <p:cNvPr id="1037" name="Picture 26">
+            <a:extLst>
+              <a:ext uri="{FF2B5EF4-FFF2-40B4-BE49-F238E27FC236}">
+                <a16:creationId xmlns:a16="http://schemas.microsoft.com/office/drawing/2014/main" id="{9D0782C5-3A38-AF48-B1EC-A1EAC5836C05}"/>
+              </a:ext>
+            </a:extLst>
+          </p:cNvPr>
+          <p:cNvPicPr>
+            <a:picLocks noChangeAspect="1" noChangeArrowheads="1"/>
+          </p:cNvPicPr>
+          <p:nvPr/>
+        </p:nvPicPr>
+        <p:blipFill>
+          <a:blip r:embed="rId15">
+            <a:extLst>
+              <a:ext uri="{28A0092B-C50C-407E-A947-70E740481C1C}">
+                <a14:useLocalDpi xmlns:a14="http://schemas.microsoft.com/office/drawing/2010/main" val="0"/>
+              </a:ext>
+            </a:extLst>
+          </a:blip>
+          <a:srcRect/>
+          <a:stretch>
+            <a:fillRect/>
+          </a:stretch>
+        </p:blipFill>
+        <p:spPr bwMode="auto">
+          <a:xfrm>
+            <a:off x="17335341" y="19058165"/>
+            <a:ext cx="2681287" cy="2559410"/>
+          </a:xfrm>
+          <a:prstGeom prst="rect">
+            <a:avLst/>
+          </a:prstGeom>
+          <a:noFill/>
+          <a:extLst>
+            <a:ext uri="{909E8E84-426E-40DD-AFC4-6F175D3DCCD1}">
+              <a14:hiddenFill xmlns:a14="http://schemas.microsoft.com/office/drawing/2010/main">
+                <a:solidFill>
+                  <a:srgbClr val="FFFFFF"/>
+                </a:solidFill>
+              </a14:hiddenFill>
+            </a:ext>
+          </a:extLst>
+        </p:spPr>
+      </p:pic>
+      <p:sp>
+        <p:nvSpPr>
+          <p:cNvPr id="7" name="Rectangle 18">
+            <a:extLst>
+              <a:ext uri="{FF2B5EF4-FFF2-40B4-BE49-F238E27FC236}">
+                <a16:creationId xmlns:a16="http://schemas.microsoft.com/office/drawing/2014/main" id="{B1CF8202-12BA-854C-AE26-D09A785845CD}"/>
+              </a:ext>
+            </a:extLst>
+          </p:cNvPr>
+          <p:cNvSpPr>
+            <a:spLocks noChangeArrowheads="1"/>
+          </p:cNvSpPr>
+          <p:nvPr/>
+        </p:nvSpPr>
+        <p:spPr bwMode="auto">
+          <a:xfrm>
+            <a:off x="32308801" y="8214943"/>
+            <a:ext cx="230737152" cy="1842425"/>
+          </a:xfrm>
+          <a:prstGeom prst="rect">
+            <a:avLst/>
+          </a:prstGeom>
+          <a:noFill/>
+          <a:ln>
+            <a:noFill/>
+          </a:ln>
+          <a:effectLst/>
+          <a:extLst>
+            <a:ext uri="{909E8E84-426E-40DD-AFC4-6F175D3DCCD1}">
+              <a14:hiddenFill xmlns:a14="http://schemas.microsoft.com/office/drawing/2010/main">
+                <a:solidFill>
+                  <a:schemeClr val="accent1"/>
+                </a:solidFill>
+              </a14:hiddenFill>
+            </a:ext>
+            <a:ext uri="{91240B29-F687-4F45-9708-019B960494DF}">
+              <a14:hiddenLine xmlns:a14="http://schemas.microsoft.com/office/drawing/2010/main" w="9525">
+                <a:solidFill>
+                  <a:schemeClr val="tx1"/>
+                </a:solidFill>
+                <a:miter lim="800000"/>
+                <a:headEnd/>
+                <a:tailEnd/>
+              </a14:hiddenLine>
+            </a:ext>
+            <a:ext uri="{AF507438-7753-43E0-B8FC-AC1667EBCBE1}">
+              <a14:hiddenEffects xmlns:a14="http://schemas.microsoft.com/office/drawing/2010/main">
+                <a:effectLst>
+                  <a:outerShdw dist="35921" dir="2700000" algn="ctr" rotWithShape="0">
+                    <a:schemeClr val="bg2"/>
+                  </a:outerShdw>
+                </a:effectLst>
+              </a14:hiddenEffects>
+            </a:ext>
+          </a:extLst>
+        </p:spPr>
+        <p:txBody>
+          <a:bodyPr vert="horz" wrap="square" lIns="91440" tIns="45720" rIns="91440" bIns="45720" numCol="1" anchor="ctr" anchorCtr="0" compatLnSpc="1">
+            <a:prstTxWarp prst="textNoShape">
+              <a:avLst/>
+            </a:prstTxWarp>
+            <a:spAutoFit/>
+          </a:bodyPr>
+          <a:lstStyle/>
+          <a:p>
+            <a:endParaRPr lang="en-US"/>
+          </a:p>
+        </p:txBody>
+      </p:sp>
+      <p:sp>
+        <p:nvSpPr>
+          <p:cNvPr id="41" name="Content Placeholder 15">
+            <a:extLst>
+              <a:ext uri="{FF2B5EF4-FFF2-40B4-BE49-F238E27FC236}">
+                <a16:creationId xmlns:a16="http://schemas.microsoft.com/office/drawing/2014/main" id="{E7BC2685-C012-E543-B59D-13D309E4CEA0}"/>
+              </a:ext>
+            </a:extLst>
+          </p:cNvPr>
+          <p:cNvSpPr txBox="1">
+            <a:spLocks/>
+          </p:cNvSpPr>
+          <p:nvPr/>
+        </p:nvSpPr>
+        <p:spPr bwMode="auto">
+          <a:xfrm>
+            <a:off x="1381130" y="2865396"/>
+            <a:ext cx="35185340" cy="1897303"/>
+          </a:xfrm>
+          <a:prstGeom prst="rect">
+            <a:avLst/>
+          </a:prstGeom>
+          <a:noFill/>
+          <a:ln>
+            <a:noFill/>
+          </a:ln>
+          <a:extLst>
+            <a:ext uri="{909E8E84-426E-40DD-AFC4-6F175D3DCCD1}">
+              <a14:hiddenFill xmlns:a14="http://schemas.microsoft.com/office/drawing/2010/main">
+                <a:solidFill>
+                  <a:srgbClr val="FFFFFF"/>
+                </a:solidFill>
+              </a14:hiddenFill>
+            </a:ext>
+            <a:ext uri="{91240B29-F687-4F45-9708-019B960494DF}">
+              <a14:hiddenLine xmlns:a14="http://schemas.microsoft.com/office/drawing/2010/main" w="9525">
+                <a:solidFill>
+                  <a:srgbClr val="000000"/>
+                </a:solidFill>
+                <a:miter lim="800000"/>
+                <a:headEnd/>
+                <a:tailEnd/>
+              </a14:hiddenLine>
+            </a:ext>
+          </a:extLst>
+        </p:spPr>
+        <p:txBody>
+          <a:bodyPr vert="horz" wrap="square" lIns="294846" tIns="147423" rIns="294846" bIns="147423" numCol="1" anchor="t" anchorCtr="0" compatLnSpc="1">
+            <a:prstTxWarp prst="textNoShape">
+              <a:avLst/>
+            </a:prstTxWarp>
+            <a:noAutofit/>
+          </a:bodyPr>
+          <a:lstStyle>
+            <a:lvl1pPr marL="410256" indent="-410256" algn="l" defTabSz="1471613" rtl="0" eaLnBrk="0" fontAlgn="base" hangingPunct="0">
+              <a:spcBef>
+                <a:spcPct val="20000"/>
+              </a:spcBef>
+              <a:spcAft>
+                <a:spcPct val="0"/>
+              </a:spcAft>
+              <a:buFont typeface="Arial" panose="020B0604020202020204" pitchFamily="34" charset="0"/>
+              <a:buNone/>
+              <a:defRPr sz="2900" kern="1200">
+                <a:solidFill>
+                  <a:schemeClr val="tx1"/>
+                </a:solidFill>
+                <a:latin typeface="Arial"/>
+                <a:ea typeface="MS PGothic" panose="020B0600070205080204" pitchFamily="34" charset="-128"/>
+                <a:cs typeface="Arial"/>
+              </a:defRPr>
+            </a:lvl1pPr>
+            <a:lvl2pPr marL="793247" indent="-655629" algn="l" defTabSz="1471613" rtl="0" eaLnBrk="0" fontAlgn="base" hangingPunct="0">
+              <a:spcBef>
+                <a:spcPct val="20000"/>
+              </a:spcBef>
+              <a:spcAft>
+                <a:spcPct val="0"/>
+              </a:spcAft>
+              <a:buFont typeface="Wingdings" charset="2"/>
+              <a:buChar char="Ø"/>
+              <a:defRPr sz="2300" kern="1200">
+                <a:solidFill>
+                  <a:schemeClr val="tx1"/>
+                </a:solidFill>
+                <a:latin typeface="Arial"/>
+                <a:ea typeface="MS PGothic" panose="020B0600070205080204" pitchFamily="34" charset="-128"/>
+                <a:cs typeface="Arial"/>
+              </a:defRPr>
+            </a:lvl2pPr>
+            <a:lvl3pPr marL="929565" indent="-546573" algn="l" defTabSz="1471613" rtl="0" eaLnBrk="0" fontAlgn="base" hangingPunct="0">
+              <a:spcBef>
+                <a:spcPct val="20000"/>
+              </a:spcBef>
+              <a:spcAft>
+                <a:spcPct val="0"/>
+              </a:spcAft>
+              <a:buFont typeface="Arial" panose="020B0604020202020204" pitchFamily="34" charset="0"/>
+              <a:buChar char="•"/>
+              <a:defRPr sz="1900" kern="1200">
+                <a:solidFill>
+                  <a:schemeClr val="tx1"/>
+                </a:solidFill>
+                <a:latin typeface="Arial"/>
+                <a:ea typeface="MS PGothic" panose="020B0600070205080204" pitchFamily="34" charset="-128"/>
+                <a:cs typeface="Arial"/>
+              </a:defRPr>
+            </a:lvl3pPr>
+            <a:lvl4pPr marL="1202201" indent="-655629" algn="l" defTabSz="1471613" rtl="0" eaLnBrk="0" fontAlgn="base" hangingPunct="0">
+              <a:spcBef>
+                <a:spcPct val="20000"/>
+              </a:spcBef>
+              <a:spcAft>
+                <a:spcPct val="0"/>
+              </a:spcAft>
+              <a:buFont typeface="Arial" panose="020B0604020202020204" pitchFamily="34" charset="0"/>
+              <a:buChar char="–"/>
+              <a:defRPr sz="1600" kern="1200">
+                <a:solidFill>
+                  <a:schemeClr val="tx1"/>
+                </a:solidFill>
+                <a:latin typeface="Arial"/>
+                <a:ea typeface="MS PGothic" panose="020B0600070205080204" pitchFamily="34" charset="-128"/>
+                <a:cs typeface="Arial"/>
+              </a:defRPr>
+            </a:lvl4pPr>
+            <a:lvl5pPr marL="1448875" indent="-1448875" algn="l" defTabSz="1471613" rtl="0" eaLnBrk="0" fontAlgn="base" hangingPunct="0">
+              <a:spcBef>
+                <a:spcPct val="20000"/>
+              </a:spcBef>
+              <a:spcAft>
+                <a:spcPct val="0"/>
+              </a:spcAft>
+              <a:buFont typeface="Arial" panose="020B0604020202020204" pitchFamily="34" charset="0"/>
+              <a:buChar char="»"/>
+              <a:defRPr sz="2300" kern="1200">
+                <a:solidFill>
+                  <a:schemeClr val="tx1"/>
+                </a:solidFill>
+                <a:latin typeface="+mn-lt"/>
+                <a:ea typeface="MS PGothic" panose="020B0600070205080204" pitchFamily="34" charset="-128"/>
+                <a:cs typeface="+mn-cs"/>
+              </a:defRPr>
+            </a:lvl5pPr>
+            <a:lvl6pPr marL="8108236" indent="-737112" algn="l" defTabSz="1474225" rtl="0" eaLnBrk="1" latinLnBrk="0" hangingPunct="1">
+              <a:spcBef>
+                <a:spcPct val="20000"/>
+              </a:spcBef>
+              <a:buFont typeface="Arial"/>
+              <a:buChar char="•"/>
+              <a:defRPr sz="5200" kern="1200">
+                <a:solidFill>
+                  <a:schemeClr val="tx1"/>
+                </a:solidFill>
+                <a:latin typeface="+mn-lt"/>
+                <a:ea typeface="+mn-ea"/>
+                <a:cs typeface="+mn-cs"/>
+              </a:defRPr>
+            </a:lvl6pPr>
+            <a:lvl7pPr marL="9582462" indent="-737112" algn="l" defTabSz="1474225" rtl="0" eaLnBrk="1" latinLnBrk="0" hangingPunct="1">
+              <a:spcBef>
+                <a:spcPct val="20000"/>
+              </a:spcBef>
+              <a:buFont typeface="Arial"/>
+              <a:buChar char="•"/>
+              <a:defRPr sz="5200" kern="1200">
+                <a:solidFill>
+                  <a:schemeClr val="tx1"/>
+                </a:solidFill>
+                <a:latin typeface="+mn-lt"/>
+                <a:ea typeface="+mn-ea"/>
+                <a:cs typeface="+mn-cs"/>
+              </a:defRPr>
+            </a:lvl7pPr>
+            <a:lvl8pPr marL="11056684" indent="-737112" algn="l" defTabSz="1474225" rtl="0" eaLnBrk="1" latinLnBrk="0" hangingPunct="1">
+              <a:spcBef>
+                <a:spcPct val="20000"/>
+              </a:spcBef>
+              <a:buFont typeface="Arial"/>
+              <a:buChar char="•"/>
+              <a:defRPr sz="5200" kern="1200">
+                <a:solidFill>
+                  <a:schemeClr val="tx1"/>
+                </a:solidFill>
+                <a:latin typeface="+mn-lt"/>
+                <a:ea typeface="+mn-ea"/>
+                <a:cs typeface="+mn-cs"/>
+              </a:defRPr>
+            </a:lvl8pPr>
+            <a:lvl9pPr marL="12530909" indent="-737112" algn="l" defTabSz="1474225" rtl="0" eaLnBrk="1" latinLnBrk="0" hangingPunct="1">
+              <a:spcBef>
+                <a:spcPct val="20000"/>
+              </a:spcBef>
+              <a:buFont typeface="Arial"/>
+              <a:buChar char="•"/>
+              <a:defRPr sz="5200" kern="1200">
+                <a:solidFill>
+                  <a:schemeClr val="tx1"/>
+                </a:solidFill>
+                <a:latin typeface="+mn-lt"/>
+                <a:ea typeface="+mn-ea"/>
+                <a:cs typeface="+mn-cs"/>
+              </a:defRPr>
+            </a:lvl9pPr>
+          </a:lstStyle>
+          <a:p>
+            <a:pPr marL="565150" indent="-565150" defTabSz="2033588" eaLnBrk="1" hangingPunct="1">
+              <a:defRPr/>
+            </a:pPr>
+            <a:r>
+              <a:rPr lang="en-US" altLang="en-US" sz="4800" b="1" dirty="0">
+                <a:solidFill>
+                  <a:srgbClr val="E56914"/>
+                </a:solidFill>
+                <a:effectLst>
+                  <a:outerShdw blurRad="38100" dist="38100" dir="2700000" algn="tl">
+                    <a:srgbClr val="C0C0C0"/>
+                  </a:outerShdw>
+                </a:effectLst>
+                <a:latin typeface="Arial" panose="020B0604020202020204" pitchFamily="34" charset="0"/>
+                <a:cs typeface="Arial" panose="020B0604020202020204" pitchFamily="34" charset="0"/>
+              </a:rPr>
+              <a:t>Goal: </a:t>
+            </a:r>
+            <a:r>
+              <a:rPr lang="en-US" altLang="en-US" sz="4800" dirty="0">
+                <a:effectLst>
+                  <a:outerShdw blurRad="38100" dist="38100" dir="2700000" algn="tl">
+                    <a:srgbClr val="C0C0C0"/>
+                  </a:outerShdw>
+                </a:effectLst>
+                <a:latin typeface="Arial" panose="020B0604020202020204" pitchFamily="34" charset="0"/>
+                <a:cs typeface="Arial" panose="020B0604020202020204" pitchFamily="34" charset="0"/>
+              </a:rPr>
+              <a:t>Modify and tune </a:t>
+            </a:r>
+            <a:r>
+              <a:rPr lang="en-US" altLang="en-US" sz="4800" dirty="0" err="1">
+                <a:effectLst>
+                  <a:outerShdw blurRad="38100" dist="38100" dir="2700000" algn="tl">
+                    <a:srgbClr val="C0C0C0"/>
+                  </a:outerShdw>
+                </a:effectLst>
+                <a:latin typeface="Arial" panose="020B0604020202020204" pitchFamily="34" charset="0"/>
+                <a:cs typeface="Arial" panose="020B0604020202020204" pitchFamily="34" charset="0"/>
+              </a:rPr>
+              <a:t>Pytorch</a:t>
+            </a:r>
+            <a:r>
+              <a:rPr lang="en-US" altLang="en-US" sz="4800" dirty="0">
+                <a:effectLst>
+                  <a:outerShdw blurRad="38100" dist="38100" dir="2700000" algn="tl">
+                    <a:srgbClr val="C0C0C0"/>
+                  </a:outerShdw>
+                </a:effectLst>
+                <a:latin typeface="Arial" panose="020B0604020202020204" pitchFamily="34" charset="0"/>
+                <a:cs typeface="Arial" panose="020B0604020202020204" pitchFamily="34" charset="0"/>
+              </a:rPr>
+              <a:t> DCGAN to try and create many believable fakes</a:t>
+            </a:r>
+          </a:p>
+          <a:p>
+            <a:pPr marL="565150" indent="-565150" defTabSz="2033588" eaLnBrk="1" hangingPunct="1">
+              <a:defRPr/>
+            </a:pPr>
+            <a:r>
+              <a:rPr lang="en-US" altLang="en-US" sz="4800" b="1" dirty="0">
+                <a:solidFill>
+                  <a:srgbClr val="E56914"/>
+                </a:solidFill>
+                <a:effectLst>
+                  <a:outerShdw blurRad="38100" dist="38100" dir="2700000" algn="tl">
+                    <a:srgbClr val="C0C0C0"/>
+                  </a:outerShdw>
+                </a:effectLst>
+                <a:latin typeface="Arial" panose="020B0604020202020204" pitchFamily="34" charset="0"/>
+                <a:cs typeface="Arial" panose="020B0604020202020204" pitchFamily="34" charset="0"/>
+              </a:rPr>
+              <a:t>Outcome: </a:t>
+            </a:r>
+            <a:r>
+              <a:rPr lang="en-US" altLang="en-US" sz="4800" dirty="0">
+                <a:effectLst>
+                  <a:outerShdw blurRad="38100" dist="38100" dir="2700000" algn="tl">
+                    <a:srgbClr val="C0C0C0"/>
+                  </a:outerShdw>
+                </a:effectLst>
+                <a:latin typeface="Arial" panose="020B0604020202020204" pitchFamily="34" charset="0"/>
+                <a:cs typeface="Arial" panose="020B0604020202020204" pitchFamily="34" charset="0"/>
+              </a:rPr>
+              <a:t>Produced small amounts of images much better than baseline. Leap to more believable fakes is much larger </a:t>
+            </a:r>
+            <a:endParaRPr lang="en-US" altLang="en-US" sz="4800" dirty="0">
+              <a:latin typeface="Arial" panose="020B0604020202020204" pitchFamily="34" charset="0"/>
+              <a:cs typeface="Arial" panose="020B0604020202020204" pitchFamily="34" charset="0"/>
+            </a:endParaRPr>
+          </a:p>
+          <a:p>
+            <a:pPr marL="565150" indent="-565150" defTabSz="2033588">
+              <a:defRPr/>
+            </a:pPr>
+            <a:endParaRPr lang="en-US" altLang="en-US" sz="4800" dirty="0">
+              <a:latin typeface="Arial" panose="020B0604020202020204" pitchFamily="34" charset="0"/>
+              <a:cs typeface="Arial" panose="020B0604020202020204" pitchFamily="34" charset="0"/>
+            </a:endParaRPr>
+          </a:p>
+        </p:txBody>
+      </p:sp>
+      <p:pic>
+        <p:nvPicPr>
+          <p:cNvPr id="42" name="Picture 41">
+            <a:extLst>
+              <a:ext uri="{FF2B5EF4-FFF2-40B4-BE49-F238E27FC236}">
+                <a16:creationId xmlns:a16="http://schemas.microsoft.com/office/drawing/2014/main" id="{4F43BDC5-E64C-2B45-8582-C3670771D5E6}"/>
+              </a:ext>
+            </a:extLst>
+          </p:cNvPr>
+          <p:cNvPicPr/>
+          <p:nvPr/>
+        </p:nvPicPr>
+        <p:blipFill rotWithShape="1">
+          <a:blip r:embed="rId16" cstate="print">
+            <a:extLst>
+              <a:ext uri="{28A0092B-C50C-407E-A947-70E740481C1C}">
+                <a14:useLocalDpi xmlns:a14="http://schemas.microsoft.com/office/drawing/2010/main" val="0"/>
+              </a:ext>
+            </a:extLst>
+          </a:blip>
+          <a:srcRect l="4133" t="12457" r="5135" b="3966"/>
+          <a:stretch/>
+        </p:blipFill>
+        <p:spPr bwMode="auto">
+          <a:xfrm>
+            <a:off x="5303020" y="12699776"/>
+            <a:ext cx="9173395" cy="3101776"/>
+          </a:xfrm>
+          <a:prstGeom prst="rect">
+            <a:avLst/>
+          </a:prstGeom>
+          <a:ln>
+            <a:noFill/>
+          </a:ln>
+          <a:extLst>
+            <a:ext uri="{53640926-AAD7-44D8-BBD7-CCE9431645EC}">
+              <a14:shadowObscured xmlns:a14="http://schemas.microsoft.com/office/drawing/2010/main"/>
+            </a:ext>
+          </a:extLst>
+        </p:spPr>
+      </p:pic>
+      <p:sp>
+        <p:nvSpPr>
+          <p:cNvPr id="13" name="TextBox 12">
+            <a:extLst>
+              <a:ext uri="{FF2B5EF4-FFF2-40B4-BE49-F238E27FC236}">
+                <a16:creationId xmlns:a16="http://schemas.microsoft.com/office/drawing/2014/main" id="{2185284D-A2FA-774C-80AF-D11419D3CCCD}"/>
+              </a:ext>
+            </a:extLst>
+          </p:cNvPr>
+          <p:cNvSpPr txBox="1"/>
+          <p:nvPr/>
+        </p:nvSpPr>
+        <p:spPr>
+          <a:xfrm>
+            <a:off x="26680708" y="7597083"/>
+            <a:ext cx="12725278" cy="994439"/>
+          </a:xfrm>
+          <a:prstGeom prst="rect">
+            <a:avLst/>
+          </a:prstGeom>
+          <a:noFill/>
+        </p:spPr>
+        <p:txBody>
+          <a:bodyPr wrap="none" rtlCol="0">
+            <a:spAutoFit/>
+          </a:bodyPr>
+          <a:lstStyle/>
+          <a:p>
+            <a:r>
+              <a:rPr lang="en-US" dirty="0">
+                <a:sym typeface="Wingdings" pitchFamily="2" charset="2"/>
+              </a:rPr>
+              <a:t></a:t>
+            </a:r>
+            <a:r>
+              <a:rPr lang="en-US" dirty="0"/>
+              <a:t> Low Variation: Bioscience Building</a:t>
+            </a:r>
+          </a:p>
+        </p:txBody>
+      </p:sp>
+      <p:sp>
+        <p:nvSpPr>
+          <p:cNvPr id="44" name="TextBox 43">
+            <a:extLst>
+              <a:ext uri="{FF2B5EF4-FFF2-40B4-BE49-F238E27FC236}">
+                <a16:creationId xmlns:a16="http://schemas.microsoft.com/office/drawing/2014/main" id="{1540678C-8083-2045-ADDE-823A386C9777}"/>
+              </a:ext>
+            </a:extLst>
+          </p:cNvPr>
+          <p:cNvSpPr txBox="1"/>
+          <p:nvPr/>
+        </p:nvSpPr>
+        <p:spPr>
+          <a:xfrm>
+            <a:off x="15613706" y="5885883"/>
+            <a:ext cx="12178297" cy="923330"/>
+          </a:xfrm>
+          <a:prstGeom prst="rect">
+            <a:avLst/>
+          </a:prstGeom>
+          <a:noFill/>
+        </p:spPr>
+        <p:txBody>
+          <a:bodyPr wrap="square" rtlCol="0">
+            <a:spAutoFit/>
+          </a:bodyPr>
+          <a:lstStyle/>
+          <a:p>
+            <a:pPr marL="565150" indent="-565150" defTabSz="2033588" eaLnBrk="1" hangingPunct="1">
+              <a:defRPr/>
+            </a:pPr>
+            <a:r>
+              <a:rPr lang="en-US" altLang="en-US" sz="5400" dirty="0">
+                <a:effectLst>
+                  <a:outerShdw blurRad="38100" dist="38100" dir="2700000" algn="tl">
+                    <a:srgbClr val="C0C0C0"/>
+                  </a:outerShdw>
+                </a:effectLst>
+                <a:cs typeface="Arial" panose="020B0604020202020204" pitchFamily="34" charset="0"/>
+              </a:rPr>
+              <a:t>	</a:t>
+            </a:r>
+            <a:r>
+              <a:rPr lang="en-US" altLang="en-US" sz="5400" dirty="0" err="1">
+                <a:effectLst>
+                  <a:outerShdw blurRad="38100" dist="38100" dir="2700000" algn="tl">
+                    <a:srgbClr val="C0C0C0"/>
+                  </a:outerShdw>
+                </a:effectLst>
+                <a:cs typeface="Arial" panose="020B0604020202020204" pitchFamily="34" charset="0"/>
+              </a:rPr>
+              <a:t>Lsun</a:t>
+            </a:r>
+            <a:r>
+              <a:rPr lang="en-US" altLang="en-US" sz="5400" dirty="0">
+                <a:effectLst>
+                  <a:outerShdw blurRad="38100" dist="38100" dir="2700000" algn="tl">
+                    <a:srgbClr val="C0C0C0"/>
+                  </a:outerShdw>
+                </a:effectLst>
+                <a:cs typeface="Arial" panose="020B0604020202020204" pitchFamily="34" charset="0"/>
+              </a:rPr>
+              <a:t> Churches: 75 Epochs </a:t>
+            </a:r>
+            <a:r>
+              <a:rPr lang="en-US" altLang="en-US" sz="5400" dirty="0">
+                <a:effectLst>
+                  <a:outerShdw blurRad="38100" dist="38100" dir="2700000" algn="tl">
+                    <a:srgbClr val="C0C0C0"/>
+                  </a:outerShdw>
+                </a:effectLst>
+                <a:cs typeface="Arial" panose="020B0604020202020204" pitchFamily="34" charset="0"/>
+                <a:sym typeface="Wingdings" pitchFamily="2" charset="2"/>
+              </a:rPr>
+              <a:t></a:t>
+            </a:r>
+            <a:endParaRPr lang="en-US" altLang="en-US" sz="5400" dirty="0">
+              <a:effectLst>
+                <a:outerShdw blurRad="38100" dist="38100" dir="2700000" algn="tl">
+                  <a:srgbClr val="C0C0C0"/>
+                </a:outerShdw>
+              </a:effectLst>
+              <a:cs typeface="Arial" panose="020B0604020202020204" pitchFamily="34" charset="0"/>
+            </a:endParaRPr>
+          </a:p>
+        </p:txBody>
+      </p:sp>
+      <p:sp>
+        <p:nvSpPr>
+          <p:cNvPr id="45" name="TextBox 44">
+            <a:extLst>
+              <a:ext uri="{FF2B5EF4-FFF2-40B4-BE49-F238E27FC236}">
+                <a16:creationId xmlns:a16="http://schemas.microsoft.com/office/drawing/2014/main" id="{4C844762-7A99-E949-9AB0-4D7C9AE531EB}"/>
+              </a:ext>
+            </a:extLst>
+          </p:cNvPr>
+          <p:cNvSpPr txBox="1"/>
+          <p:nvPr/>
+        </p:nvSpPr>
+        <p:spPr>
+          <a:xfrm>
+            <a:off x="16268209" y="9264404"/>
+            <a:ext cx="10385407" cy="1896545"/>
+          </a:xfrm>
+          <a:prstGeom prst="rect">
+            <a:avLst/>
+          </a:prstGeom>
+          <a:noFill/>
+        </p:spPr>
+        <p:txBody>
+          <a:bodyPr wrap="none" rtlCol="0">
+            <a:spAutoFit/>
+          </a:bodyPr>
+          <a:lstStyle/>
+          <a:p>
+            <a:r>
+              <a:rPr lang="en-US" dirty="0"/>
+              <a:t>Large RIT Set: 330 Epochs </a:t>
+            </a:r>
+            <a:r>
+              <a:rPr lang="en-US" dirty="0">
+                <a:sym typeface="Wingdings" pitchFamily="2" charset="2"/>
+              </a:rPr>
+              <a:t></a:t>
+            </a:r>
+            <a:endParaRPr lang="en-US" dirty="0"/>
+          </a:p>
+          <a:p>
+            <a:r>
+              <a:rPr lang="en-US" dirty="0"/>
+              <a:t>	(29,297 Images)</a:t>
+            </a:r>
+          </a:p>
+        </p:txBody>
+      </p:sp>
+      <p:sp>
+        <p:nvSpPr>
+          <p:cNvPr id="14" name="TextBox 13">
+            <a:extLst>
+              <a:ext uri="{FF2B5EF4-FFF2-40B4-BE49-F238E27FC236}">
+                <a16:creationId xmlns:a16="http://schemas.microsoft.com/office/drawing/2014/main" id="{98F7C008-C064-C642-930C-0F35F4CC090F}"/>
+              </a:ext>
+            </a:extLst>
+          </p:cNvPr>
+          <p:cNvSpPr txBox="1"/>
+          <p:nvPr/>
+        </p:nvSpPr>
+        <p:spPr>
+          <a:xfrm>
+            <a:off x="214477" y="20704285"/>
+            <a:ext cx="9829935" cy="994439"/>
+          </a:xfrm>
+          <a:prstGeom prst="rect">
+            <a:avLst/>
+          </a:prstGeom>
+          <a:noFill/>
+        </p:spPr>
+        <p:txBody>
+          <a:bodyPr wrap="none" rtlCol="0">
+            <a:spAutoFit/>
+          </a:bodyPr>
+          <a:lstStyle/>
+          <a:p>
+            <a:r>
+              <a:rPr lang="en-US" dirty="0"/>
+              <a:t>If Even, D(x or G(z)) about .5</a:t>
+            </a:r>
+          </a:p>
+        </p:txBody>
+      </p:sp>
     </p:spTree>
   </p:cSld>
   <p:clrMapOvr>

--- a/mifinalpaper/LandyBrian_poster_GeneratingNewBuildingImagesUsingDCGANS.pptx
+++ b/mifinalpaper/LandyBrian_poster_GeneratingNewBuildingImagesUsingDCGANS.pptx
@@ -258,7 +258,7 @@
               <a:pPr>
                 <a:defRPr/>
               </a:pPr>
-              <a:t>12/6/19</a:t>
+              <a:t>12/6/2019</a:t>
             </a:fld>
             <a:endParaRPr lang="en-US" altLang="en-US"/>
           </a:p>
@@ -1057,7 +1057,7 @@
               <a:pPr>
                 <a:defRPr/>
               </a:pPr>
-              <a:t>12/6/19</a:t>
+              <a:t>12/6/2019</a:t>
             </a:fld>
             <a:endParaRPr lang="en-US" altLang="en-US"/>
           </a:p>
@@ -1252,7 +1252,7 @@
               <a:pPr>
                 <a:defRPr/>
               </a:pPr>
-              <a:t>12/6/19</a:t>
+              <a:t>12/6/2019</a:t>
             </a:fld>
             <a:endParaRPr lang="en-US" altLang="en-US"/>
           </a:p>
@@ -1457,7 +1457,7 @@
               <a:pPr>
                 <a:defRPr/>
               </a:pPr>
-              <a:t>12/6/19</a:t>
+              <a:t>12/6/2019</a:t>
             </a:fld>
             <a:endParaRPr lang="en-US" altLang="en-US"/>
           </a:p>
@@ -1652,7 +1652,7 @@
               <a:pPr>
                 <a:defRPr/>
               </a:pPr>
-              <a:t>12/6/19</a:t>
+              <a:t>12/6/2019</a:t>
             </a:fld>
             <a:endParaRPr lang="en-US" altLang="en-US"/>
           </a:p>
@@ -1924,7 +1924,7 @@
               <a:pPr>
                 <a:defRPr/>
               </a:pPr>
-              <a:t>12/6/19</a:t>
+              <a:t>12/6/2019</a:t>
             </a:fld>
             <a:endParaRPr lang="en-US" altLang="en-US"/>
           </a:p>
@@ -2236,7 +2236,7 @@
               <a:pPr>
                 <a:defRPr/>
               </a:pPr>
-              <a:t>12/6/19</a:t>
+              <a:t>12/6/2019</a:t>
             </a:fld>
             <a:endParaRPr lang="en-US" altLang="en-US"/>
           </a:p>
@@ -2728,7 +2728,7 @@
               <a:pPr>
                 <a:defRPr/>
               </a:pPr>
-              <a:t>12/6/19</a:t>
+              <a:t>12/6/2019</a:t>
             </a:fld>
             <a:endParaRPr lang="en-US" altLang="en-US"/>
           </a:p>
@@ -2850,7 +2850,7 @@
               <a:pPr>
                 <a:defRPr/>
               </a:pPr>
-              <a:t>12/6/19</a:t>
+              <a:t>12/6/2019</a:t>
             </a:fld>
             <a:endParaRPr lang="en-US" altLang="en-US"/>
           </a:p>
@@ -3152,7 +3152,7 @@
               <a:pPr>
                 <a:defRPr/>
               </a:pPr>
-              <a:t>12/6/19</a:t>
+              <a:t>12/6/2019</a:t>
             </a:fld>
             <a:endParaRPr lang="en-US" altLang="en-US"/>
           </a:p>
@@ -3434,7 +3434,7 @@
               <a:pPr>
                 <a:defRPr/>
               </a:pPr>
-              <a:t>12/6/19</a:t>
+              <a:t>12/6/2019</a:t>
             </a:fld>
             <a:endParaRPr lang="en-US" altLang="en-US"/>
           </a:p>
@@ -3725,7 +3725,7 @@
               <a:pPr>
                 <a:defRPr/>
               </a:pPr>
-              <a:t>12/6/19</a:t>
+              <a:t>12/6/2019</a:t>
             </a:fld>
             <a:endParaRPr lang="en-US" altLang="en-US"/>
           </a:p>
@@ -4481,7 +4481,7 @@
         <p:spPr>
           <a:xfrm>
             <a:off x="15613706" y="12386382"/>
-            <a:ext cx="23400694" cy="5963021"/>
+            <a:ext cx="23164800" cy="5963021"/>
           </a:xfrm>
         </p:spPr>
         <p:txBody>
@@ -4497,7 +4497,7 @@
               <a:defRPr/>
             </a:pPr>
             <a:r>
-              <a:rPr lang="en-US" altLang="en-US" sz="4800" b="1" dirty="0">
+              <a:rPr lang="en-US" altLang="en-US" sz="4400" b="1" dirty="0">
                 <a:solidFill>
                   <a:srgbClr val="E56914"/>
                 </a:solidFill>
@@ -4511,7 +4511,7 @@
               </a:rPr>
               <a:t>The Parameters and Results:</a:t>
             </a:r>
-            <a:endParaRPr lang="en-US" altLang="en-US" sz="4800" dirty="0">
+            <a:endParaRPr lang="en-US" altLang="en-US" sz="4400" dirty="0">
               <a:solidFill>
                 <a:srgbClr val="000000"/>
               </a:solidFill>
@@ -4526,7 +4526,7 @@
               <a:defRPr/>
             </a:pPr>
             <a:r>
-              <a:rPr lang="en-US" altLang="en-US" sz="4800" dirty="0">
+              <a:rPr lang="en-US" altLang="en-US" sz="4400" dirty="0">
                 <a:solidFill>
                   <a:srgbClr val="000000"/>
                 </a:solidFill>
@@ -4543,7 +4543,7 @@
               <a:defRPr/>
             </a:pPr>
             <a:r>
-              <a:rPr lang="en-US" altLang="en-US" sz="4800" dirty="0">
+              <a:rPr lang="en-US" altLang="en-US" sz="4400" dirty="0">
                 <a:solidFill>
                   <a:srgbClr val="000000"/>
                 </a:solidFill>
@@ -4553,7 +4553,7 @@
               <a:t>One sided label smoothing </a:t>
             </a:r>
             <a:r>
-              <a:rPr lang="en-US" altLang="en-US" sz="4800" dirty="0">
+              <a:rPr lang="en-US" altLang="en-US" sz="4400" dirty="0">
                 <a:solidFill>
                   <a:srgbClr val="000000"/>
                 </a:solidFill>
@@ -4563,7 +4563,7 @@
               </a:rPr>
               <a:t> Stops G from only producing one trick to fool D</a:t>
             </a:r>
-            <a:endParaRPr lang="en-US" altLang="en-US" sz="4800" dirty="0">
+            <a:endParaRPr lang="en-US" altLang="en-US" sz="4400" dirty="0">
               <a:solidFill>
                 <a:srgbClr val="000000"/>
               </a:solidFill>
@@ -4578,7 +4578,7 @@
               <a:defRPr/>
             </a:pPr>
             <a:r>
-              <a:rPr lang="en-US" altLang="en-US" sz="4800" dirty="0">
+              <a:rPr lang="en-US" altLang="en-US" sz="4400" dirty="0">
                 <a:solidFill>
                   <a:srgbClr val="000000"/>
                 </a:solidFill>
@@ -4595,7 +4595,7 @@
               <a:defRPr/>
             </a:pPr>
             <a:r>
-              <a:rPr lang="en-US" altLang="en-US" sz="4800" dirty="0">
+              <a:rPr lang="en-US" altLang="en-US" sz="4400" dirty="0">
                 <a:solidFill>
                   <a:srgbClr val="000000"/>
                 </a:solidFill>
@@ -4612,14 +4612,31 @@
               <a:defRPr/>
             </a:pPr>
             <a:r>
-              <a:rPr lang="en-US" altLang="en-US" sz="4800" dirty="0">
+              <a:rPr lang="en-US" altLang="en-US" sz="4400" dirty="0">
                 <a:solidFill>
                   <a:srgbClr val="000000"/>
                 </a:solidFill>
                 <a:latin typeface="Arial" panose="020B0604020202020204" pitchFamily="34" charset="0"/>
                 <a:cs typeface="Arial" panose="020B0604020202020204" pitchFamily="34" charset="0"/>
               </a:rPr>
-              <a:t>Tried many things that didn’t help, tricky models, best results still cherry picked</a:t>
+              <a:t>Tried many things that didn’t help, tricky models</a:t>
+            </a:r>
+          </a:p>
+          <a:p>
+            <a:pPr marL="1220778" lvl="4" indent="-565150" defTabSz="2033588">
+              <a:buFont typeface="Wingdings" panose="05000000000000000000" pitchFamily="2" charset="2"/>
+              <a:buChar char="Ø"/>
+              <a:defRPr/>
+            </a:pPr>
+            <a:r>
+              <a:rPr lang="en-US" altLang="en-US" sz="4400" dirty="0">
+                <a:solidFill>
+                  <a:srgbClr val="000000"/>
+                </a:solidFill>
+                <a:latin typeface="Arial" panose="020B0604020202020204" pitchFamily="34" charset="0"/>
+                <a:cs typeface="Arial" panose="020B0604020202020204" pitchFamily="34" charset="0"/>
+              </a:rPr>
+              <a:t>Best results still cherry picked</a:t>
             </a:r>
           </a:p>
           <a:p>
@@ -4628,7 +4645,7 @@
               <a:buChar char="Ø"/>
               <a:defRPr/>
             </a:pPr>
-            <a:endParaRPr lang="en-US" altLang="en-US" sz="4800" dirty="0">
+            <a:endParaRPr lang="en-US" altLang="en-US" sz="4400" dirty="0">
               <a:solidFill>
                 <a:srgbClr val="000000"/>
               </a:solidFill>
@@ -4640,7 +4657,7 @@
             <a:pPr marL="565150" indent="-565150" defTabSz="2033588">
               <a:defRPr/>
             </a:pPr>
-            <a:endParaRPr lang="en-US" altLang="en-US" sz="4800" dirty="0">
+            <a:endParaRPr lang="en-US" altLang="en-US" sz="4400" dirty="0">
               <a:latin typeface="Arial" panose="020B0604020202020204" pitchFamily="34" charset="0"/>
               <a:cs typeface="Arial" panose="020B0604020202020204" pitchFamily="34" charset="0"/>
             </a:endParaRPr>
@@ -4829,96 +4846,6 @@
       </p:cxnSp>
       <p:sp>
         <p:nvSpPr>
-          <p:cNvPr id="20" name="TextBox 19">
-            <a:extLst>
-              <a:ext uri="{FF2B5EF4-FFF2-40B4-BE49-F238E27FC236}">
-                <a16:creationId xmlns:a16="http://schemas.microsoft.com/office/drawing/2014/main" id="{821C33B2-C804-3346-9497-083FB8110F82}"/>
-              </a:ext>
-            </a:extLst>
-          </p:cNvPr>
-          <p:cNvSpPr txBox="1"/>
-          <p:nvPr/>
-        </p:nvSpPr>
-        <p:spPr>
-          <a:xfrm>
-            <a:off x="30140778" y="17922192"/>
-            <a:ext cx="9652168" cy="3477875"/>
-          </a:xfrm>
-          <a:prstGeom prst="rect">
-            <a:avLst/>
-          </a:prstGeom>
-          <a:noFill/>
-        </p:spPr>
-        <p:txBody>
-          <a:bodyPr wrap="square" rtlCol="0">
-            <a:spAutoFit/>
-          </a:bodyPr>
-          <a:lstStyle/>
-          <a:p>
-            <a:pPr marL="857250" indent="-857250">
-              <a:buFont typeface="Wingdings" pitchFamily="2" charset="2"/>
-              <a:buChar char="Ø"/>
-            </a:pPr>
-            <a:r>
-              <a:rPr lang="en-US" sz="4400" dirty="0">
-                <a:solidFill>
-                  <a:srgbClr val="FF0000"/>
-                </a:solidFill>
-              </a:rPr>
-              <a:t>Best Results came from:</a:t>
-            </a:r>
-          </a:p>
-          <a:p>
-            <a:pPr marL="2370804" lvl="1" indent="-857250">
-              <a:buFont typeface="Wingdings" pitchFamily="2" charset="2"/>
-              <a:buChar char="Ø"/>
-            </a:pPr>
-            <a:r>
-              <a:rPr lang="en-US" sz="4400" dirty="0">
-                <a:solidFill>
-                  <a:srgbClr val="FF0000"/>
-                </a:solidFill>
-              </a:rPr>
-              <a:t>More training epochs</a:t>
-            </a:r>
-          </a:p>
-          <a:p>
-            <a:pPr marL="2370804" lvl="1" indent="-857250">
-              <a:buFont typeface="Wingdings" pitchFamily="2" charset="2"/>
-              <a:buChar char="Ø"/>
-            </a:pPr>
-            <a:r>
-              <a:rPr lang="en-US" sz="4400" dirty="0">
-                <a:solidFill>
-                  <a:srgbClr val="FF0000"/>
-                </a:solidFill>
-              </a:rPr>
-              <a:t>More filters in each layer</a:t>
-            </a:r>
-          </a:p>
-          <a:p>
-            <a:pPr marL="2370804" lvl="1" indent="-857250">
-              <a:buFont typeface="Wingdings" pitchFamily="2" charset="2"/>
-              <a:buChar char="Ø"/>
-            </a:pPr>
-            <a:r>
-              <a:rPr lang="en-US" sz="4400" dirty="0">
-                <a:solidFill>
-                  <a:srgbClr val="FF0000"/>
-                </a:solidFill>
-              </a:rPr>
-              <a:t>Lowering D learning Rate compared to G</a:t>
-            </a:r>
-            <a:endParaRPr lang="en-US" dirty="0">
-              <a:solidFill>
-                <a:srgbClr val="FF0000"/>
-              </a:solidFill>
-            </a:endParaRPr>
-          </a:p>
-        </p:txBody>
-      </p:sp>
-      <p:sp>
-        <p:nvSpPr>
           <p:cNvPr id="21" name="Content Placeholder 16">
             <a:extLst>
               <a:ext uri="{FF2B5EF4-FFF2-40B4-BE49-F238E27FC236}">
@@ -5235,8 +5162,8 @@
         </p:blipFill>
         <p:spPr>
           <a:xfrm>
-            <a:off x="1009884" y="18402544"/>
-            <a:ext cx="10896601" cy="1203326"/>
+            <a:off x="232841" y="19013129"/>
+            <a:ext cx="8734656" cy="964580"/>
           </a:xfrm>
           <a:prstGeom prst="rect">
             <a:avLst/>
@@ -5264,8 +5191,8 @@
         </p:blipFill>
         <p:spPr>
           <a:xfrm>
-            <a:off x="4587099" y="19555387"/>
-            <a:ext cx="12410395" cy="1760717"/>
+            <a:off x="-838200" y="20043451"/>
+            <a:ext cx="10621475" cy="1506915"/>
           </a:xfrm>
           <a:prstGeom prst="rect">
             <a:avLst/>
@@ -5474,7 +5401,7 @@
           </p:cNvPicPr>
           <p:nvPr/>
         </p:nvPicPr>
-        <p:blipFill>
+        <p:blipFill rotWithShape="1">
           <a:blip r:embed="rId11">
             <a:extLst>
               <a:ext uri="{28A0092B-C50C-407E-A947-70E740481C1C}">
@@ -5482,15 +5409,13 @@
               </a:ext>
             </a:extLst>
           </a:blip>
-          <a:srcRect/>
-          <a:stretch>
-            <a:fillRect/>
-          </a:stretch>
+          <a:srcRect t="2506" b="2334"/>
+          <a:stretch/>
         </p:blipFill>
         <p:spPr bwMode="auto">
           <a:xfrm>
-            <a:off x="25225299" y="19072523"/>
-            <a:ext cx="2437534" cy="2559411"/>
+            <a:off x="25261264" y="18918529"/>
+            <a:ext cx="2437534" cy="2435540"/>
           </a:xfrm>
           <a:prstGeom prst="rect">
             <a:avLst/>
@@ -5521,7 +5446,7 @@
           </p:cNvPicPr>
           <p:nvPr/>
         </p:nvPicPr>
-        <p:blipFill>
+        <p:blipFill rotWithShape="1">
           <a:blip r:embed="rId12">
             <a:extLst>
               <a:ext uri="{28A0092B-C50C-407E-A947-70E740481C1C}">
@@ -5529,15 +5454,13 @@
               </a:ext>
             </a:extLst>
           </a:blip>
-          <a:srcRect/>
-          <a:stretch>
-            <a:fillRect/>
-          </a:stretch>
+          <a:srcRect l="977" t="2369" r="2074" b="2914"/>
+          <a:stretch/>
         </p:blipFill>
         <p:spPr bwMode="auto">
           <a:xfrm>
-            <a:off x="27766994" y="19065555"/>
-            <a:ext cx="2559410" cy="2559410"/>
+            <a:off x="27846761" y="18918529"/>
+            <a:ext cx="2481338" cy="2424167"/>
           </a:xfrm>
           <a:prstGeom prst="rect">
             <a:avLst/>
@@ -5568,7 +5491,7 @@
           </p:cNvPicPr>
           <p:nvPr/>
         </p:nvPicPr>
-        <p:blipFill>
+        <p:blipFill rotWithShape="1">
           <a:blip r:embed="rId13">
             <a:extLst>
               <a:ext uri="{28A0092B-C50C-407E-A947-70E740481C1C}">
@@ -5576,15 +5499,13 @@
               </a:ext>
             </a:extLst>
           </a:blip>
-          <a:srcRect/>
-          <a:stretch>
-            <a:fillRect/>
-          </a:stretch>
+          <a:srcRect l="1729" t="2369" r="1320" b="2470"/>
+          <a:stretch/>
         </p:blipFill>
         <p:spPr bwMode="auto">
           <a:xfrm>
-            <a:off x="22595513" y="19065555"/>
-            <a:ext cx="2559410" cy="2559410"/>
+            <a:off x="22631400" y="18918529"/>
+            <a:ext cx="2481337" cy="2435540"/>
           </a:xfrm>
           <a:prstGeom prst="rect">
             <a:avLst/>
@@ -5615,7 +5536,7 @@
           </p:cNvPicPr>
           <p:nvPr/>
         </p:nvPicPr>
-        <p:blipFill>
+        <p:blipFill rotWithShape="1">
           <a:blip r:embed="rId14">
             <a:extLst>
               <a:ext uri="{28A0092B-C50C-407E-A947-70E740481C1C}">
@@ -5623,15 +5544,13 @@
               </a:ext>
             </a:extLst>
           </a:blip>
-          <a:srcRect/>
-          <a:stretch>
-            <a:fillRect/>
-          </a:stretch>
+          <a:srcRect t="1132" r="3050" b="3707"/>
+          <a:stretch/>
         </p:blipFill>
         <p:spPr bwMode="auto">
           <a:xfrm>
-            <a:off x="20001537" y="19079494"/>
-            <a:ext cx="2559410" cy="2559410"/>
+            <a:off x="20001537" y="18905219"/>
+            <a:ext cx="2481336" cy="2435541"/>
           </a:xfrm>
           <a:prstGeom prst="rect">
             <a:avLst/>
@@ -5662,7 +5581,7 @@
           </p:cNvPicPr>
           <p:nvPr/>
         </p:nvPicPr>
-        <p:blipFill>
+        <p:blipFill rotWithShape="1">
           <a:blip r:embed="rId15">
             <a:extLst>
               <a:ext uri="{28A0092B-C50C-407E-A947-70E740481C1C}">
@@ -5670,15 +5589,13 @@
               </a:ext>
             </a:extLst>
           </a:blip>
-          <a:srcRect/>
-          <a:stretch>
-            <a:fillRect/>
-          </a:stretch>
+          <a:srcRect l="3010" t="1132" r="4448" b="3707"/>
+          <a:stretch/>
         </p:blipFill>
         <p:spPr bwMode="auto">
           <a:xfrm>
-            <a:off x="17335341" y="19058165"/>
-            <a:ext cx="2681287" cy="2559410"/>
+            <a:off x="17416040" y="18905220"/>
+            <a:ext cx="2481336" cy="2435540"/>
           </a:xfrm>
           <a:prstGeom prst="rect">
             <a:avLst/>
@@ -6127,7 +6044,7 @@
         </p:nvSpPr>
         <p:spPr>
           <a:xfrm>
-            <a:off x="26680708" y="7597083"/>
+            <a:off x="26480031" y="7557044"/>
             <a:ext cx="12725278" cy="994439"/>
           </a:xfrm>
           <a:prstGeom prst="rect">
@@ -6289,12 +6206,303 @@
           </a:p>
         </p:txBody>
       </p:sp>
-      <p:sp>
-        <p:nvSpPr>
-          <p:cNvPr id="14" name="TextBox 13">
+      <mc:AlternateContent xmlns:mc="http://schemas.openxmlformats.org/markup-compatibility/2006">
+        <mc:Choice xmlns:a14="http://schemas.microsoft.com/office/drawing/2010/main" Requires="a14">
+          <p:sp>
+            <p:nvSpPr>
+              <p:cNvPr id="8" name="Rectangle 7">
+                <a:extLst>
+                  <a:ext uri="{FF2B5EF4-FFF2-40B4-BE49-F238E27FC236}">
+                    <a16:creationId xmlns:a16="http://schemas.microsoft.com/office/drawing/2014/main" id="{CDB2124E-CAA9-4A07-BA06-14BD3029F16D}"/>
+                  </a:ext>
+                </a:extLst>
+              </p:cNvPr>
+              <p:cNvSpPr/>
+              <p:nvPr/>
+            </p:nvSpPr>
+            <p:spPr>
+              <a:xfrm>
+                <a:off x="9923908" y="19152203"/>
+                <a:ext cx="6817018" cy="2536977"/>
+              </a:xfrm>
+              <a:prstGeom prst="rect">
+                <a:avLst/>
+              </a:prstGeom>
+            </p:spPr>
+            <p:txBody>
+              <a:bodyPr wrap="square">
+                <a:spAutoFit/>
+              </a:bodyPr>
+              <a:lstStyle/>
+              <a:p>
+                <a14:m>
+                  <m:oMathPara xmlns:m="http://schemas.openxmlformats.org/officeDocument/2006/math">
+                    <m:oMathParaPr>
+                      <m:jc m:val="centerGroup"/>
+                    </m:oMathParaPr>
+                    <m:oMath xmlns:m="http://schemas.openxmlformats.org/officeDocument/2006/math">
+                      <m:f>
+                        <m:fPr>
+                          <m:ctrlPr>
+                            <a:rPr lang="en-US" sz="4400" b="0" i="1" smtClean="0">
+                              <a:latin typeface="Cambria Math" panose="02040503050406030204" pitchFamily="18" charset="0"/>
+                            </a:rPr>
+                          </m:ctrlPr>
+                        </m:fPr>
+                        <m:num>
+                          <m:r>
+                            <a:rPr lang="en-US" sz="4400" i="1">
+                              <a:latin typeface="Cambria Math" panose="02040503050406030204" pitchFamily="18" charset="0"/>
+                            </a:rPr>
+                            <m:t>𝐷</m:t>
+                          </m:r>
+                          <m:d>
+                            <m:dPr>
+                              <m:ctrlPr>
+                                <a:rPr lang="en-US" sz="4400" i="1">
+                                  <a:latin typeface="Cambria Math" panose="02040503050406030204" pitchFamily="18" charset="0"/>
+                                </a:rPr>
+                              </m:ctrlPr>
+                            </m:dPr>
+                            <m:e>
+                              <m:r>
+                                <a:rPr lang="en-US" sz="4400" i="1">
+                                  <a:latin typeface="Cambria Math" panose="02040503050406030204" pitchFamily="18" charset="0"/>
+                                </a:rPr>
+                                <m:t>𝑥</m:t>
+                              </m:r>
+                            </m:e>
+                          </m:d>
+                        </m:num>
+                        <m:den>
+                          <m:r>
+                            <a:rPr lang="en-US" sz="4400" b="0" i="1" smtClean="0">
+                              <a:latin typeface="Cambria Math" panose="02040503050406030204" pitchFamily="18" charset="0"/>
+                            </a:rPr>
+                            <m:t>(</m:t>
+                          </m:r>
+                          <m:r>
+                            <a:rPr lang="en-US" sz="4400" b="0" i="1" smtClean="0">
+                              <a:latin typeface="Cambria Math" panose="02040503050406030204" pitchFamily="18" charset="0"/>
+                            </a:rPr>
+                            <m:t>𝐷</m:t>
+                          </m:r>
+                          <m:d>
+                            <m:dPr>
+                              <m:ctrlPr>
+                                <a:rPr lang="en-US" sz="4400" b="0" i="1" smtClean="0">
+                                  <a:latin typeface="Cambria Math" panose="02040503050406030204" pitchFamily="18" charset="0"/>
+                                </a:rPr>
+                              </m:ctrlPr>
+                            </m:dPr>
+                            <m:e>
+                              <m:r>
+                                <a:rPr lang="en-US" sz="4400" b="0" i="1" smtClean="0">
+                                  <a:latin typeface="Cambria Math" panose="02040503050406030204" pitchFamily="18" charset="0"/>
+                                </a:rPr>
+                                <m:t>𝐺</m:t>
+                              </m:r>
+                              <m:d>
+                                <m:dPr>
+                                  <m:ctrlPr>
+                                    <a:rPr lang="en-US" sz="4400" b="0" i="1" smtClean="0">
+                                      <a:latin typeface="Cambria Math" panose="02040503050406030204" pitchFamily="18" charset="0"/>
+                                    </a:rPr>
+                                  </m:ctrlPr>
+                                </m:dPr>
+                                <m:e>
+                                  <m:r>
+                                    <a:rPr lang="en-US" sz="4400" b="0" i="1" smtClean="0">
+                                      <a:latin typeface="Cambria Math" panose="02040503050406030204" pitchFamily="18" charset="0"/>
+                                    </a:rPr>
+                                    <m:t>𝑧</m:t>
+                                  </m:r>
+                                </m:e>
+                              </m:d>
+                            </m:e>
+                          </m:d>
+                          <m:r>
+                            <a:rPr lang="en-US" sz="4400" b="0" i="1" smtClean="0">
+                              <a:latin typeface="Cambria Math" panose="02040503050406030204" pitchFamily="18" charset="0"/>
+                            </a:rPr>
+                            <m:t>+</m:t>
+                          </m:r>
+                          <m:r>
+                            <a:rPr lang="en-US" sz="4400" b="0" i="1" smtClean="0">
+                              <a:latin typeface="Cambria Math" panose="02040503050406030204" pitchFamily="18" charset="0"/>
+                            </a:rPr>
+                            <m:t>𝐷</m:t>
+                          </m:r>
+                          <m:d>
+                            <m:dPr>
+                              <m:ctrlPr>
+                                <a:rPr lang="en-US" sz="4400" b="0" i="1" smtClean="0">
+                                  <a:latin typeface="Cambria Math" panose="02040503050406030204" pitchFamily="18" charset="0"/>
+                                </a:rPr>
+                              </m:ctrlPr>
+                            </m:dPr>
+                            <m:e>
+                              <m:r>
+                                <a:rPr lang="en-US" sz="4400" b="0" i="1" smtClean="0">
+                                  <a:latin typeface="Cambria Math" panose="02040503050406030204" pitchFamily="18" charset="0"/>
+                                </a:rPr>
+                                <m:t>𝑥</m:t>
+                              </m:r>
+                            </m:e>
+                          </m:d>
+                          <m:r>
+                            <a:rPr lang="en-US" sz="4400" b="0" i="1" smtClean="0">
+                              <a:latin typeface="Cambria Math" panose="02040503050406030204" pitchFamily="18" charset="0"/>
+                            </a:rPr>
+                            <m:t>)</m:t>
+                          </m:r>
+                        </m:den>
+                      </m:f>
+                      <m:r>
+                        <a:rPr lang="en-US" sz="4400" b="0" i="1" smtClean="0">
+                          <a:latin typeface="Cambria Math" panose="02040503050406030204" pitchFamily="18" charset="0"/>
+                        </a:rPr>
+                        <m:t>=</m:t>
+                      </m:r>
+                      <m:r>
+                        <a:rPr lang="en-US" sz="4400" b="0" i="1" smtClean="0">
+                          <a:latin typeface="Cambria Math" panose="02040503050406030204" pitchFamily="18" charset="0"/>
+                        </a:rPr>
+                        <m:t>𝐷</m:t>
+                      </m:r>
+                      <m:d>
+                        <m:dPr>
+                          <m:ctrlPr>
+                            <a:rPr lang="en-US" sz="4400" b="0" i="1" smtClean="0">
+                              <a:latin typeface="Cambria Math" panose="02040503050406030204" pitchFamily="18" charset="0"/>
+                            </a:rPr>
+                          </m:ctrlPr>
+                        </m:dPr>
+                        <m:e>
+                          <m:r>
+                            <a:rPr lang="en-US" sz="4400" b="0" i="1" smtClean="0">
+                              <a:latin typeface="Cambria Math" panose="02040503050406030204" pitchFamily="18" charset="0"/>
+                            </a:rPr>
+                            <m:t>𝐺</m:t>
+                          </m:r>
+                        </m:e>
+                      </m:d>
+                    </m:oMath>
+                  </m:oMathPara>
+                </a14:m>
+                <a:endParaRPr lang="en-US" sz="4400" b="0" dirty="0"/>
+              </a:p>
+              <a:p>
+                <a:endParaRPr lang="en-US" dirty="0"/>
+              </a:p>
+            </p:txBody>
+          </p:sp>
+        </mc:Choice>
+        <mc:Fallback>
+          <p:sp>
+            <p:nvSpPr>
+              <p:cNvPr id="8" name="Rectangle 7">
+                <a:extLst>
+                  <a:ext uri="{FF2B5EF4-FFF2-40B4-BE49-F238E27FC236}">
+                    <a16:creationId xmlns:a16="http://schemas.microsoft.com/office/drawing/2014/main" id="{CDB2124E-CAA9-4A07-BA06-14BD3029F16D}"/>
+                  </a:ext>
+                </a:extLst>
+              </p:cNvPr>
+              <p:cNvSpPr>
+                <a:spLocks noRot="1" noChangeAspect="1" noMove="1" noResize="1" noEditPoints="1" noAdjustHandles="1" noChangeArrowheads="1" noChangeShapeType="1" noTextEdit="1"/>
+              </p:cNvSpPr>
+              <p:nvPr/>
+            </p:nvSpPr>
+            <p:spPr>
+              <a:xfrm>
+                <a:off x="9923908" y="19152203"/>
+                <a:ext cx="6817018" cy="2536977"/>
+              </a:xfrm>
+              <a:prstGeom prst="rect">
+                <a:avLst/>
+              </a:prstGeom>
+              <a:blipFill>
+                <a:blip r:embed="rId17"/>
+                <a:stretch>
+                  <a:fillRect/>
+                </a:stretch>
+              </a:blipFill>
+            </p:spPr>
+            <p:txBody>
+              <a:bodyPr/>
+              <a:lstStyle/>
+              <a:p>
+                <a:r>
+                  <a:rPr lang="en-US">
+                    <a:noFill/>
+                  </a:rPr>
+                  <a:t> </a:t>
+                </a:r>
+              </a:p>
+            </p:txBody>
+          </p:sp>
+        </mc:Fallback>
+      </mc:AlternateContent>
+      <p:sp>
+        <p:nvSpPr>
+          <p:cNvPr id="9" name="Rectangle 8">
             <a:extLst>
               <a:ext uri="{FF2B5EF4-FFF2-40B4-BE49-F238E27FC236}">
-                <a16:creationId xmlns:a16="http://schemas.microsoft.com/office/drawing/2014/main" id="{98F7C008-C064-C642-930C-0F35F4CC090F}"/>
+                <a16:creationId xmlns:a16="http://schemas.microsoft.com/office/drawing/2014/main" id="{E406DBF6-9CA1-4E36-8B66-830BF4F25E33}"/>
+              </a:ext>
+            </a:extLst>
+          </p:cNvPr>
+          <p:cNvSpPr/>
+          <p:nvPr/>
+        </p:nvSpPr>
+        <p:spPr>
+          <a:xfrm>
+            <a:off x="9108130" y="18734009"/>
+            <a:ext cx="7943137" cy="2442364"/>
+          </a:xfrm>
+          <a:prstGeom prst="rect">
+            <a:avLst/>
+          </a:prstGeom>
+          <a:noFill/>
+          <a:ln w="19050" cap="flat" cmpd="sng" algn="ctr">
+            <a:solidFill>
+              <a:srgbClr val="00B050"/>
+            </a:solidFill>
+            <a:prstDash val="solid"/>
+            <a:round/>
+            <a:headEnd type="none" w="med" len="med"/>
+            <a:tailEnd type="none" w="med" len="med"/>
+          </a:ln>
+        </p:spPr>
+        <p:style>
+          <a:lnRef idx="0">
+            <a:scrgbClr r="0" g="0" b="0"/>
+          </a:lnRef>
+          <a:fillRef idx="0">
+            <a:scrgbClr r="0" g="0" b="0"/>
+          </a:fillRef>
+          <a:effectRef idx="0">
+            <a:scrgbClr r="0" g="0" b="0"/>
+          </a:effectRef>
+          <a:fontRef idx="minor">
+            <a:schemeClr val="accent3"/>
+          </a:fontRef>
+        </p:style>
+        <p:txBody>
+          <a:bodyPr rtlCol="0" anchor="ctr"/>
+          <a:lstStyle/>
+          <a:p>
+            <a:pPr algn="ctr"/>
+            <a:endParaRPr lang="en-US"/>
+          </a:p>
+        </p:txBody>
+      </p:sp>
+      <p:sp>
+        <p:nvSpPr>
+          <p:cNvPr id="11" name="TextBox 10">
+            <a:extLst>
+              <a:ext uri="{FF2B5EF4-FFF2-40B4-BE49-F238E27FC236}">
+                <a16:creationId xmlns:a16="http://schemas.microsoft.com/office/drawing/2014/main" id="{B1703DBA-6A89-4C99-AEF5-EEDAD95C20F9}"/>
               </a:ext>
             </a:extLst>
           </p:cNvPr>
@@ -6303,8 +6511,8 @@
         </p:nvSpPr>
         <p:spPr>
           <a:xfrm>
-            <a:off x="214477" y="20704285"/>
-            <a:ext cx="9829935" cy="994439"/>
+            <a:off x="11284588" y="17529742"/>
+            <a:ext cx="4362092" cy="994439"/>
           </a:xfrm>
           <a:prstGeom prst="rect">
             <a:avLst/>
@@ -6319,11 +6527,111 @@
           <a:p>
             <a:r>
               <a:rPr lang="en-US" dirty="0"/>
-              <a:t>If Even, D(x or G(z)) about .5</a:t>
-            </a:r>
-          </a:p>
-        </p:txBody>
-      </p:sp>
+              <a:t>Even Match:</a:t>
+            </a:r>
+          </a:p>
+        </p:txBody>
+      </p:sp>
+      <p:pic>
+        <p:nvPicPr>
+          <p:cNvPr id="22" name="Picture 21">
+            <a:extLst>
+              <a:ext uri="{FF2B5EF4-FFF2-40B4-BE49-F238E27FC236}">
+                <a16:creationId xmlns:a16="http://schemas.microsoft.com/office/drawing/2014/main" id="{C3575703-FB06-4B5F-9940-B4F15CDC080A}"/>
+              </a:ext>
+            </a:extLst>
+          </p:cNvPr>
+          <p:cNvPicPr>
+            <a:picLocks noChangeAspect="1"/>
+          </p:cNvPicPr>
+          <p:nvPr/>
+        </p:nvPicPr>
+        <p:blipFill>
+          <a:blip r:embed="rId18"/>
+          <a:stretch>
+            <a:fillRect/>
+          </a:stretch>
+        </p:blipFill>
+        <p:spPr>
+          <a:xfrm>
+            <a:off x="33452233" y="16375996"/>
+            <a:ext cx="2437534" cy="2437534"/>
+          </a:xfrm>
+          <a:prstGeom prst="rect">
+            <a:avLst/>
+          </a:prstGeom>
+        </p:spPr>
+      </p:pic>
+      <p:pic>
+        <p:nvPicPr>
+          <p:cNvPr id="38" name="Picture 23">
+            <a:extLst>
+              <a:ext uri="{FF2B5EF4-FFF2-40B4-BE49-F238E27FC236}">
+                <a16:creationId xmlns:a16="http://schemas.microsoft.com/office/drawing/2014/main" id="{0CB86F8E-EB5F-453B-94FC-E5E64E8C8C37}"/>
+              </a:ext>
+            </a:extLst>
+          </p:cNvPr>
+          <p:cNvPicPr>
+            <a:picLocks noChangeAspect="1" noChangeArrowheads="1"/>
+          </p:cNvPicPr>
+          <p:nvPr/>
+        </p:nvPicPr>
+        <p:blipFill>
+          <a:blip r:embed="rId19"/>
+          <a:stretch>
+            <a:fillRect/>
+          </a:stretch>
+        </p:blipFill>
+        <p:spPr bwMode="auto">
+          <a:xfrm>
+            <a:off x="30487333" y="18918529"/>
+            <a:ext cx="2458796" cy="2424167"/>
+          </a:xfrm>
+          <a:prstGeom prst="rect">
+            <a:avLst/>
+          </a:prstGeom>
+          <a:noFill/>
+          <a:extLst>
+            <a:ext uri="{909E8E84-426E-40DD-AFC4-6F175D3DCCD1}">
+              <a14:hiddenFill xmlns:a14="http://schemas.microsoft.com/office/drawing/2010/main">
+                <a:solidFill>
+                  <a:srgbClr val="FFFFFF"/>
+                </a:solidFill>
+              </a14:hiddenFill>
+            </a:ext>
+          </a:extLst>
+        </p:spPr>
+      </p:pic>
+      <p:pic>
+        <p:nvPicPr>
+          <p:cNvPr id="39" name="Picture 38">
+            <a:extLst>
+              <a:ext uri="{FF2B5EF4-FFF2-40B4-BE49-F238E27FC236}">
+                <a16:creationId xmlns:a16="http://schemas.microsoft.com/office/drawing/2014/main" id="{10704955-C25D-435E-958D-8BE8A885677D}"/>
+              </a:ext>
+            </a:extLst>
+          </p:cNvPr>
+          <p:cNvPicPr>
+            <a:picLocks noChangeAspect="1"/>
+          </p:cNvPicPr>
+          <p:nvPr/>
+        </p:nvPicPr>
+        <p:blipFill>
+          <a:blip r:embed="rId20"/>
+          <a:stretch>
+            <a:fillRect/>
+          </a:stretch>
+        </p:blipFill>
+        <p:spPr>
+          <a:xfrm>
+            <a:off x="35953931" y="18865230"/>
+            <a:ext cx="2437534" cy="2412141"/>
+          </a:xfrm>
+          <a:prstGeom prst="rect">
+            <a:avLst/>
+          </a:prstGeom>
+        </p:spPr>
+      </p:pic>
     </p:spTree>
   </p:cSld>
   <p:clrMapOvr>

--- a/mifinalpaper/LandyBrian_poster_GeneratingNewBuildingImagesUsingDCGANS.pptx
+++ b/mifinalpaper/LandyBrian_poster_GeneratingNewBuildingImagesUsingDCGANS.pptx
@@ -258,7 +258,7 @@
               <a:pPr>
                 <a:defRPr/>
               </a:pPr>
-              <a:t>12/6/2019</a:t>
+              <a:t>12/6/19</a:t>
             </a:fld>
             <a:endParaRPr lang="en-US" altLang="en-US"/>
           </a:p>
@@ -1057,7 +1057,7 @@
               <a:pPr>
                 <a:defRPr/>
               </a:pPr>
-              <a:t>12/6/2019</a:t>
+              <a:t>12/6/19</a:t>
             </a:fld>
             <a:endParaRPr lang="en-US" altLang="en-US"/>
           </a:p>
@@ -1252,7 +1252,7 @@
               <a:pPr>
                 <a:defRPr/>
               </a:pPr>
-              <a:t>12/6/2019</a:t>
+              <a:t>12/6/19</a:t>
             </a:fld>
             <a:endParaRPr lang="en-US" altLang="en-US"/>
           </a:p>
@@ -1457,7 +1457,7 @@
               <a:pPr>
                 <a:defRPr/>
               </a:pPr>
-              <a:t>12/6/2019</a:t>
+              <a:t>12/6/19</a:t>
             </a:fld>
             <a:endParaRPr lang="en-US" altLang="en-US"/>
           </a:p>
@@ -1652,7 +1652,7 @@
               <a:pPr>
                 <a:defRPr/>
               </a:pPr>
-              <a:t>12/6/2019</a:t>
+              <a:t>12/6/19</a:t>
             </a:fld>
             <a:endParaRPr lang="en-US" altLang="en-US"/>
           </a:p>
@@ -1924,7 +1924,7 @@
               <a:pPr>
                 <a:defRPr/>
               </a:pPr>
-              <a:t>12/6/2019</a:t>
+              <a:t>12/6/19</a:t>
             </a:fld>
             <a:endParaRPr lang="en-US" altLang="en-US"/>
           </a:p>
@@ -2236,7 +2236,7 @@
               <a:pPr>
                 <a:defRPr/>
               </a:pPr>
-              <a:t>12/6/2019</a:t>
+              <a:t>12/6/19</a:t>
             </a:fld>
             <a:endParaRPr lang="en-US" altLang="en-US"/>
           </a:p>
@@ -2728,7 +2728,7 @@
               <a:pPr>
                 <a:defRPr/>
               </a:pPr>
-              <a:t>12/6/2019</a:t>
+              <a:t>12/6/19</a:t>
             </a:fld>
             <a:endParaRPr lang="en-US" altLang="en-US"/>
           </a:p>
@@ -2850,7 +2850,7 @@
               <a:pPr>
                 <a:defRPr/>
               </a:pPr>
-              <a:t>12/6/2019</a:t>
+              <a:t>12/6/19</a:t>
             </a:fld>
             <a:endParaRPr lang="en-US" altLang="en-US"/>
           </a:p>
@@ -3152,7 +3152,7 @@
               <a:pPr>
                 <a:defRPr/>
               </a:pPr>
-              <a:t>12/6/2019</a:t>
+              <a:t>12/6/19</a:t>
             </a:fld>
             <a:endParaRPr lang="en-US" altLang="en-US"/>
           </a:p>
@@ -3434,7 +3434,7 @@
               <a:pPr>
                 <a:defRPr/>
               </a:pPr>
-              <a:t>12/6/2019</a:t>
+              <a:t>12/6/19</a:t>
             </a:fld>
             <a:endParaRPr lang="en-US" altLang="en-US"/>
           </a:p>
@@ -3725,7 +3725,7 @@
               <a:pPr>
                 <a:defRPr/>
               </a:pPr>
-              <a:t>12/6/2019</a:t>
+              <a:t>12/6/19</a:t>
             </a:fld>
             <a:endParaRPr lang="en-US" altLang="en-US"/>
           </a:p>
@@ -4497,7 +4497,7 @@
               <a:defRPr/>
             </a:pPr>
             <a:r>
-              <a:rPr lang="en-US" altLang="en-US" sz="4400" b="1" dirty="0">
+              <a:rPr lang="en-US" altLang="en-US" sz="4000" b="1" dirty="0">
                 <a:solidFill>
                   <a:srgbClr val="E56914"/>
                 </a:solidFill>
@@ -4511,7 +4511,7 @@
               </a:rPr>
               <a:t>The Parameters and Results:</a:t>
             </a:r>
-            <a:endParaRPr lang="en-US" altLang="en-US" sz="4400" dirty="0">
+            <a:endParaRPr lang="en-US" altLang="en-US" sz="4000" dirty="0">
               <a:solidFill>
                 <a:srgbClr val="000000"/>
               </a:solidFill>
@@ -4526,7 +4526,7 @@
               <a:defRPr/>
             </a:pPr>
             <a:r>
-              <a:rPr lang="en-US" altLang="en-US" sz="4400" dirty="0">
+              <a:rPr lang="en-US" altLang="en-US" sz="4000" dirty="0">
                 <a:solidFill>
                   <a:srgbClr val="000000"/>
                 </a:solidFill>
@@ -4543,7 +4543,24 @@
               <a:defRPr/>
             </a:pPr>
             <a:r>
-              <a:rPr lang="en-US" altLang="en-US" sz="4400" dirty="0">
+              <a:rPr lang="en-US" altLang="en-US" sz="4000" dirty="0">
+                <a:solidFill>
+                  <a:srgbClr val="000000"/>
+                </a:solidFill>
+                <a:latin typeface="Arial" panose="020B0604020202020204" pitchFamily="34" charset="0"/>
+                <a:cs typeface="Arial" panose="020B0604020202020204" pitchFamily="34" charset="0"/>
+              </a:rPr>
+              <a:t>More filters in each layer of G</a:t>
+            </a:r>
+          </a:p>
+          <a:p>
+            <a:pPr marL="1220778" lvl="4" indent="-565150" defTabSz="2033588">
+              <a:buFont typeface="Wingdings" panose="05000000000000000000" pitchFamily="2" charset="2"/>
+              <a:buChar char="Ø"/>
+              <a:defRPr/>
+            </a:pPr>
+            <a:r>
+              <a:rPr lang="en-US" altLang="en-US" sz="4000" dirty="0">
                 <a:solidFill>
                   <a:srgbClr val="000000"/>
                 </a:solidFill>
@@ -4553,7 +4570,7 @@
               <a:t>One sided label smoothing </a:t>
             </a:r>
             <a:r>
-              <a:rPr lang="en-US" altLang="en-US" sz="4400" dirty="0">
+              <a:rPr lang="en-US" altLang="en-US" sz="4000" dirty="0">
                 <a:solidFill>
                   <a:srgbClr val="000000"/>
                 </a:solidFill>
@@ -4563,7 +4580,7 @@
               </a:rPr>
               <a:t> Stops G from only producing one trick to fool D</a:t>
             </a:r>
-            <a:endParaRPr lang="en-US" altLang="en-US" sz="4400" dirty="0">
+            <a:endParaRPr lang="en-US" altLang="en-US" sz="4000" dirty="0">
               <a:solidFill>
                 <a:srgbClr val="000000"/>
               </a:solidFill>
@@ -4578,7 +4595,7 @@
               <a:defRPr/>
             </a:pPr>
             <a:r>
-              <a:rPr lang="en-US" altLang="en-US" sz="4400" dirty="0">
+              <a:rPr lang="en-US" altLang="en-US" sz="4000" dirty="0">
                 <a:solidFill>
                   <a:srgbClr val="000000"/>
                 </a:solidFill>
@@ -4595,7 +4612,7 @@
               <a:defRPr/>
             </a:pPr>
             <a:r>
-              <a:rPr lang="en-US" altLang="en-US" sz="4400" dirty="0">
+              <a:rPr lang="en-US" altLang="en-US" sz="4000" dirty="0">
                 <a:solidFill>
                   <a:srgbClr val="000000"/>
                 </a:solidFill>
@@ -4612,7 +4629,7 @@
               <a:defRPr/>
             </a:pPr>
             <a:r>
-              <a:rPr lang="en-US" altLang="en-US" sz="4400" dirty="0">
+              <a:rPr lang="en-US" altLang="en-US" sz="4000" dirty="0">
                 <a:solidFill>
                   <a:srgbClr val="000000"/>
                 </a:solidFill>
@@ -4629,7 +4646,7 @@
               <a:defRPr/>
             </a:pPr>
             <a:r>
-              <a:rPr lang="en-US" altLang="en-US" sz="4400" dirty="0">
+              <a:rPr lang="en-US" altLang="en-US" sz="4000" dirty="0">
                 <a:solidFill>
                   <a:srgbClr val="000000"/>
                 </a:solidFill>
@@ -4645,7 +4662,7 @@
               <a:buChar char="Ø"/>
               <a:defRPr/>
             </a:pPr>
-            <a:endParaRPr lang="en-US" altLang="en-US" sz="4400" dirty="0">
+            <a:endParaRPr lang="en-US" altLang="en-US" sz="4000" dirty="0">
               <a:solidFill>
                 <a:srgbClr val="000000"/>
               </a:solidFill>
@@ -4657,7 +4674,7 @@
             <a:pPr marL="565150" indent="-565150" defTabSz="2033588">
               <a:defRPr/>
             </a:pPr>
-            <a:endParaRPr lang="en-US" altLang="en-US" sz="4400" dirty="0">
+            <a:endParaRPr lang="en-US" altLang="en-US" sz="4000" dirty="0">
               <a:latin typeface="Arial" panose="020B0604020202020204" pitchFamily="34" charset="0"/>
               <a:cs typeface="Arial" panose="020B0604020202020204" pitchFamily="34" charset="0"/>
             </a:endParaRPr>
@@ -6206,8 +6223,8 @@
           </a:p>
         </p:txBody>
       </p:sp>
-      <mc:AlternateContent xmlns:mc="http://schemas.openxmlformats.org/markup-compatibility/2006">
-        <mc:Choice xmlns:a14="http://schemas.microsoft.com/office/drawing/2010/main" Requires="a14">
+      <mc:AlternateContent xmlns:mc="http://schemas.openxmlformats.org/markup-compatibility/2006" xmlns:a14="http://schemas.microsoft.com/office/drawing/2010/main">
+        <mc:Choice Requires="a14">
           <p:sp>
             <p:nvSpPr>
               <p:cNvPr id="8" name="Rectangle 7">
@@ -6235,6 +6252,7 @@
               </a:bodyPr>
               <a:lstStyle/>
               <a:p>
+                <a:pPr/>
                 <a14:m>
                   <m:oMathPara xmlns:m="http://schemas.openxmlformats.org/officeDocument/2006/math">
                     <m:oMathParaPr>
@@ -6398,7 +6416,7 @@
             </p:txBody>
           </p:sp>
         </mc:Choice>
-        <mc:Fallback>
+        <mc:Fallback xmlns="">
           <p:sp>
             <p:nvSpPr>
               <p:cNvPr id="8" name="Rectangle 7">
@@ -6554,7 +6572,7 @@
         </p:blipFill>
         <p:spPr>
           <a:xfrm>
-            <a:off x="33452233" y="16375996"/>
+            <a:off x="33367870" y="16930753"/>
             <a:ext cx="2437534" cy="2437534"/>
           </a:xfrm>
           <a:prstGeom prst="rect">

--- a/mifinalpaper/LandyBrian_poster_GeneratingNewBuildingImagesUsingDCGANS.pptx
+++ b/mifinalpaper/LandyBrian_poster_GeneratingNewBuildingImagesUsingDCGANS.pptx
@@ -258,7 +258,7 @@
               <a:pPr>
                 <a:defRPr/>
               </a:pPr>
-              <a:t>12/6/19</a:t>
+              <a:t>12/7/19</a:t>
             </a:fld>
             <a:endParaRPr lang="en-US" altLang="en-US"/>
           </a:p>
@@ -1057,7 +1057,7 @@
               <a:pPr>
                 <a:defRPr/>
               </a:pPr>
-              <a:t>12/6/19</a:t>
+              <a:t>12/7/19</a:t>
             </a:fld>
             <a:endParaRPr lang="en-US" altLang="en-US"/>
           </a:p>
@@ -1252,7 +1252,7 @@
               <a:pPr>
                 <a:defRPr/>
               </a:pPr>
-              <a:t>12/6/19</a:t>
+              <a:t>12/7/19</a:t>
             </a:fld>
             <a:endParaRPr lang="en-US" altLang="en-US"/>
           </a:p>
@@ -1457,7 +1457,7 @@
               <a:pPr>
                 <a:defRPr/>
               </a:pPr>
-              <a:t>12/6/19</a:t>
+              <a:t>12/7/19</a:t>
             </a:fld>
             <a:endParaRPr lang="en-US" altLang="en-US"/>
           </a:p>
@@ -1652,7 +1652,7 @@
               <a:pPr>
                 <a:defRPr/>
               </a:pPr>
-              <a:t>12/6/19</a:t>
+              <a:t>12/7/19</a:t>
             </a:fld>
             <a:endParaRPr lang="en-US" altLang="en-US"/>
           </a:p>
@@ -1924,7 +1924,7 @@
               <a:pPr>
                 <a:defRPr/>
               </a:pPr>
-              <a:t>12/6/19</a:t>
+              <a:t>12/7/19</a:t>
             </a:fld>
             <a:endParaRPr lang="en-US" altLang="en-US"/>
           </a:p>
@@ -2236,7 +2236,7 @@
               <a:pPr>
                 <a:defRPr/>
               </a:pPr>
-              <a:t>12/6/19</a:t>
+              <a:t>12/7/19</a:t>
             </a:fld>
             <a:endParaRPr lang="en-US" altLang="en-US"/>
           </a:p>
@@ -2728,7 +2728,7 @@
               <a:pPr>
                 <a:defRPr/>
               </a:pPr>
-              <a:t>12/6/19</a:t>
+              <a:t>12/7/19</a:t>
             </a:fld>
             <a:endParaRPr lang="en-US" altLang="en-US"/>
           </a:p>
@@ -2850,7 +2850,7 @@
               <a:pPr>
                 <a:defRPr/>
               </a:pPr>
-              <a:t>12/6/19</a:t>
+              <a:t>12/7/19</a:t>
             </a:fld>
             <a:endParaRPr lang="en-US" altLang="en-US"/>
           </a:p>
@@ -3152,7 +3152,7 @@
               <a:pPr>
                 <a:defRPr/>
               </a:pPr>
-              <a:t>12/6/19</a:t>
+              <a:t>12/7/19</a:t>
             </a:fld>
             <a:endParaRPr lang="en-US" altLang="en-US"/>
           </a:p>
@@ -3434,7 +3434,7 @@
               <a:pPr>
                 <a:defRPr/>
               </a:pPr>
-              <a:t>12/6/19</a:t>
+              <a:t>12/7/19</a:t>
             </a:fld>
             <a:endParaRPr lang="en-US" altLang="en-US"/>
           </a:p>
@@ -3725,7 +3725,7 @@
               <a:pPr>
                 <a:defRPr/>
               </a:pPr>
-              <a:t>12/6/19</a:t>
+              <a:t>12/7/19</a:t>
             </a:fld>
             <a:endParaRPr lang="en-US" altLang="en-US"/>
           </a:p>
@@ -4480,8 +4480,8 @@
         </p:nvSpPr>
         <p:spPr>
           <a:xfrm>
-            <a:off x="15613706" y="12386382"/>
-            <a:ext cx="23164800" cy="5963021"/>
+            <a:off x="15613705" y="12386382"/>
+            <a:ext cx="23591603" cy="5963021"/>
           </a:xfrm>
         </p:spPr>
         <p:txBody>
@@ -4543,14 +4543,24 @@
               <a:defRPr/>
             </a:pPr>
             <a:r>
-              <a:rPr lang="en-US" altLang="en-US" sz="4000" dirty="0">
+              <a:rPr lang="en-US" altLang="en-US" sz="4000" b="1" dirty="0">
                 <a:solidFill>
                   <a:srgbClr val="000000"/>
                 </a:solidFill>
                 <a:latin typeface="Arial" panose="020B0604020202020204" pitchFamily="34" charset="0"/>
                 <a:cs typeface="Arial" panose="020B0604020202020204" pitchFamily="34" charset="0"/>
               </a:rPr>
-              <a:t>More filters in each layer of G</a:t>
+              <a:t>More filters </a:t>
+            </a:r>
+            <a:r>
+              <a:rPr lang="en-US" altLang="en-US" sz="4000" dirty="0">
+                <a:solidFill>
+                  <a:srgbClr val="000000"/>
+                </a:solidFill>
+                <a:latin typeface="Arial" panose="020B0604020202020204" pitchFamily="34" charset="0"/>
+                <a:cs typeface="Arial" panose="020B0604020202020204" pitchFamily="34" charset="0"/>
+              </a:rPr>
+              <a:t>in each layer of G</a:t>
             </a:r>
           </a:p>
           <a:p>
@@ -4560,14 +4570,24 @@
               <a:defRPr/>
             </a:pPr>
             <a:r>
-              <a:rPr lang="en-US" altLang="en-US" sz="4000" dirty="0">
+              <a:rPr lang="en-US" altLang="en-US" sz="4000" b="1" dirty="0">
                 <a:solidFill>
                   <a:srgbClr val="000000"/>
                 </a:solidFill>
                 <a:latin typeface="Arial" panose="020B0604020202020204" pitchFamily="34" charset="0"/>
                 <a:cs typeface="Arial" panose="020B0604020202020204" pitchFamily="34" charset="0"/>
               </a:rPr>
-              <a:t>One sided label smoothing </a:t>
+              <a:t>One sided label smoothing</a:t>
+            </a:r>
+            <a:r>
+              <a:rPr lang="en-US" altLang="en-US" sz="4000" dirty="0">
+                <a:solidFill>
+                  <a:srgbClr val="000000"/>
+                </a:solidFill>
+                <a:latin typeface="Arial" panose="020B0604020202020204" pitchFamily="34" charset="0"/>
+                <a:cs typeface="Arial" panose="020B0604020202020204" pitchFamily="34" charset="0"/>
+              </a:rPr>
+              <a:t> </a:t>
             </a:r>
             <a:r>
               <a:rPr lang="en-US" altLang="en-US" sz="4000" dirty="0">
@@ -4578,7 +4598,7 @@
                 <a:cs typeface="Arial" panose="020B0604020202020204" pitchFamily="34" charset="0"/>
                 <a:sym typeface="Wingdings" pitchFamily="2" charset="2"/>
               </a:rPr>
-              <a:t> Stops G from only producing one trick to fool D</a:t>
+              <a:t> Stops G from producing few tricks to fool D (Label 1 -&gt; .8 to 1.1)</a:t>
             </a:r>
             <a:endParaRPr lang="en-US" altLang="en-US" sz="4000" dirty="0">
               <a:solidFill>
@@ -4595,14 +4615,24 @@
               <a:defRPr/>
             </a:pPr>
             <a:r>
-              <a:rPr lang="en-US" altLang="en-US" sz="4000" dirty="0">
+              <a:rPr lang="en-US" altLang="en-US" sz="4000" b="1" dirty="0">
                 <a:solidFill>
                   <a:srgbClr val="000000"/>
                 </a:solidFill>
                 <a:latin typeface="Arial" panose="020B0604020202020204" pitchFamily="34" charset="0"/>
                 <a:cs typeface="Arial" panose="020B0604020202020204" pitchFamily="34" charset="0"/>
               </a:rPr>
-              <a:t>Discriminator Learning rate was 4 times lower than the generator</a:t>
+              <a:t>Discriminator Learning rate</a:t>
+            </a:r>
+            <a:r>
+              <a:rPr lang="en-US" altLang="en-US" sz="4000" dirty="0">
+                <a:solidFill>
+                  <a:srgbClr val="000000"/>
+                </a:solidFill>
+                <a:latin typeface="Arial" panose="020B0604020202020204" pitchFamily="34" charset="0"/>
+                <a:cs typeface="Arial" panose="020B0604020202020204" pitchFamily="34" charset="0"/>
+              </a:rPr>
+              <a:t> was 4 times lower than the generator</a:t>
             </a:r>
           </a:p>
           <a:p>
@@ -4619,7 +4649,7 @@
                 <a:latin typeface="Arial" panose="020B0604020202020204" pitchFamily="34" charset="0"/>
                 <a:cs typeface="Arial" panose="020B0604020202020204" pitchFamily="34" charset="0"/>
               </a:rPr>
-              <a:t>This change made the discriminator less sensitive to change and it took longer for the model to get good at fake detection</a:t>
+              <a:t>This change made the D take longer to get good at fake detection</a:t>
             </a:r>
           </a:p>
           <a:p>
@@ -4636,7 +4666,7 @@
                 <a:latin typeface="Arial" panose="020B0604020202020204" pitchFamily="34" charset="0"/>
                 <a:cs typeface="Arial" panose="020B0604020202020204" pitchFamily="34" charset="0"/>
               </a:rPr>
-              <a:t>Tried many things that didn’t help, tricky models</a:t>
+              <a:t>Tried many things that didn’t work, tricky models</a:t>
             </a:r>
           </a:p>
           <a:p>
@@ -6650,6 +6680,41 @@
           </a:prstGeom>
         </p:spPr>
       </p:pic>
+      <p:sp>
+        <p:nvSpPr>
+          <p:cNvPr id="2" name="TextBox 1">
+            <a:extLst>
+              <a:ext uri="{FF2B5EF4-FFF2-40B4-BE49-F238E27FC236}">
+                <a16:creationId xmlns:a16="http://schemas.microsoft.com/office/drawing/2014/main" id="{AF1F9915-4E14-8947-943C-8B2CA2C1E4EF}"/>
+              </a:ext>
+            </a:extLst>
+          </p:cNvPr>
+          <p:cNvSpPr txBox="1"/>
+          <p:nvPr/>
+        </p:nvSpPr>
+        <p:spPr>
+          <a:xfrm>
+            <a:off x="17348094" y="21165645"/>
+            <a:ext cx="2586891" cy="769441"/>
+          </a:xfrm>
+          <a:prstGeom prst="rect">
+            <a:avLst/>
+          </a:prstGeom>
+          <a:noFill/>
+        </p:spPr>
+        <p:txBody>
+          <a:bodyPr wrap="square" rtlCol="0">
+            <a:spAutoFit/>
+          </a:bodyPr>
+          <a:lstStyle/>
+          <a:p>
+            <a:r>
+              <a:rPr lang="en-US" sz="4400" dirty="0"/>
+              <a:t>690</a:t>
+            </a:r>
+          </a:p>
+        </p:txBody>
+      </p:sp>
     </p:spTree>
   </p:cSld>
   <p:clrMapOvr>
